--- a/node network.pptx
+++ b/node network.pptx
@@ -108,6 +108,11 @@
       </a:defRPr>
     </a:lvl9pPr>
   </p:defaultTextStyle>
+  <p:extLst>
+    <p:ext uri="{EFAFB233-063F-42B5-8137-9DF3F51BA10A}">
+      <p15:sldGuideLst xmlns:p15="http://schemas.microsoft.com/office/powerpoint/2012/main"/>
+    </p:ext>
+  </p:extLst>
 </p:presentation>
 </file>
 
@@ -156,7 +161,6 @@
               <a:rPr lang="en-US"/>
               <a:t>Click to edit Master title style</a:t>
             </a:r>
-            <a:endParaRPr lang="en-US"/>
           </a:p>
         </p:txBody>
       </p:sp>
@@ -221,7 +225,6 @@
               <a:rPr lang="en-US"/>
               <a:t>Click to edit Master subtitle style</a:t>
             </a:r>
-            <a:endParaRPr lang="en-US"/>
           </a:p>
         </p:txBody>
       </p:sp>
@@ -242,7 +245,7 @@
           <a:p>
             <a:fld id="{06B83C27-2525-4342-9082-7D1EAF504791}" type="datetimeFigureOut">
               <a:rPr lang="en-US" smtClean="0"/>
-              <a:t>6/5/2017</a:t>
+              <a:t>6/6/2017</a:t>
             </a:fld>
             <a:endParaRPr lang="en-US"/>
           </a:p>
@@ -339,7 +342,6 @@
               <a:rPr lang="en-US"/>
               <a:t>Click to edit Master title style</a:t>
             </a:r>
-            <a:endParaRPr lang="en-US"/>
           </a:p>
         </p:txBody>
       </p:sp>
@@ -391,7 +393,6 @@
               <a:rPr lang="en-US"/>
               <a:t>Fifth level</a:t>
             </a:r>
-            <a:endParaRPr lang="en-US"/>
           </a:p>
         </p:txBody>
       </p:sp>
@@ -412,7 +413,7 @@
           <a:p>
             <a:fld id="{06B83C27-2525-4342-9082-7D1EAF504791}" type="datetimeFigureOut">
               <a:rPr lang="en-US" smtClean="0"/>
-              <a:t>6/5/2017</a:t>
+              <a:t>6/6/2017</a:t>
             </a:fld>
             <a:endParaRPr lang="en-US"/>
           </a:p>
@@ -514,7 +515,6 @@
               <a:rPr lang="en-US"/>
               <a:t>Click to edit Master title style</a:t>
             </a:r>
-            <a:endParaRPr lang="en-US"/>
           </a:p>
         </p:txBody>
       </p:sp>
@@ -571,7 +571,6 @@
               <a:rPr lang="en-US"/>
               <a:t>Fifth level</a:t>
             </a:r>
-            <a:endParaRPr lang="en-US"/>
           </a:p>
         </p:txBody>
       </p:sp>
@@ -592,7 +591,7 @@
           <a:p>
             <a:fld id="{06B83C27-2525-4342-9082-7D1EAF504791}" type="datetimeFigureOut">
               <a:rPr lang="en-US" smtClean="0"/>
-              <a:t>6/5/2017</a:t>
+              <a:t>6/6/2017</a:t>
             </a:fld>
             <a:endParaRPr lang="en-US"/>
           </a:p>
@@ -689,7 +688,6 @@
               <a:rPr lang="en-US"/>
               <a:t>Click to edit Master title style</a:t>
             </a:r>
-            <a:endParaRPr lang="en-US"/>
           </a:p>
         </p:txBody>
       </p:sp>
@@ -741,7 +739,6 @@
               <a:rPr lang="en-US"/>
               <a:t>Fifth level</a:t>
             </a:r>
-            <a:endParaRPr lang="en-US"/>
           </a:p>
         </p:txBody>
       </p:sp>
@@ -762,7 +759,7 @@
           <a:p>
             <a:fld id="{06B83C27-2525-4342-9082-7D1EAF504791}" type="datetimeFigureOut">
               <a:rPr lang="en-US" smtClean="0"/>
-              <a:t>6/5/2017</a:t>
+              <a:t>6/6/2017</a:t>
             </a:fld>
             <a:endParaRPr lang="en-US"/>
           </a:p>
@@ -868,7 +865,6 @@
               <a:rPr lang="en-US"/>
               <a:t>Click to edit Master title style</a:t>
             </a:r>
-            <a:endParaRPr lang="en-US"/>
           </a:p>
         </p:txBody>
       </p:sp>
@@ -1008,7 +1004,7 @@
           <a:p>
             <a:fld id="{06B83C27-2525-4342-9082-7D1EAF504791}" type="datetimeFigureOut">
               <a:rPr lang="en-US" smtClean="0"/>
-              <a:t>6/5/2017</a:t>
+              <a:t>6/6/2017</a:t>
             </a:fld>
             <a:endParaRPr lang="en-US"/>
           </a:p>
@@ -1105,7 +1101,6 @@
               <a:rPr lang="en-US"/>
               <a:t>Click to edit Master title style</a:t>
             </a:r>
-            <a:endParaRPr lang="en-US"/>
           </a:p>
         </p:txBody>
       </p:sp>
@@ -1162,7 +1157,6 @@
               <a:rPr lang="en-US"/>
               <a:t>Fifth level</a:t>
             </a:r>
-            <a:endParaRPr lang="en-US"/>
           </a:p>
         </p:txBody>
       </p:sp>
@@ -1219,7 +1213,6 @@
               <a:rPr lang="en-US"/>
               <a:t>Fifth level</a:t>
             </a:r>
-            <a:endParaRPr lang="en-US"/>
           </a:p>
         </p:txBody>
       </p:sp>
@@ -1240,7 +1233,7 @@
           <a:p>
             <a:fld id="{06B83C27-2525-4342-9082-7D1EAF504791}" type="datetimeFigureOut">
               <a:rPr lang="en-US" smtClean="0"/>
-              <a:t>6/5/2017</a:t>
+              <a:t>6/6/2017</a:t>
             </a:fld>
             <a:endParaRPr lang="en-US"/>
           </a:p>
@@ -1342,7 +1335,6 @@
               <a:rPr lang="en-US"/>
               <a:t>Click to edit Master title style</a:t>
             </a:r>
-            <a:endParaRPr lang="en-US"/>
           </a:p>
         </p:txBody>
       </p:sp>
@@ -1464,7 +1456,6 @@
               <a:rPr lang="en-US"/>
               <a:t>Fifth level</a:t>
             </a:r>
-            <a:endParaRPr lang="en-US"/>
           </a:p>
         </p:txBody>
       </p:sp>
@@ -1586,7 +1577,6 @@
               <a:rPr lang="en-US"/>
               <a:t>Fifth level</a:t>
             </a:r>
-            <a:endParaRPr lang="en-US"/>
           </a:p>
         </p:txBody>
       </p:sp>
@@ -1607,7 +1597,7 @@
           <a:p>
             <a:fld id="{06B83C27-2525-4342-9082-7D1EAF504791}" type="datetimeFigureOut">
               <a:rPr lang="en-US" smtClean="0"/>
-              <a:t>6/5/2017</a:t>
+              <a:t>6/6/2017</a:t>
             </a:fld>
             <a:endParaRPr lang="en-US"/>
           </a:p>
@@ -1704,7 +1694,6 @@
               <a:rPr lang="en-US"/>
               <a:t>Click to edit Master title style</a:t>
             </a:r>
-            <a:endParaRPr lang="en-US"/>
           </a:p>
         </p:txBody>
       </p:sp>
@@ -1725,7 +1714,7 @@
           <a:p>
             <a:fld id="{06B83C27-2525-4342-9082-7D1EAF504791}" type="datetimeFigureOut">
               <a:rPr lang="en-US" smtClean="0"/>
-              <a:t>6/5/2017</a:t>
+              <a:t>6/6/2017</a:t>
             </a:fld>
             <a:endParaRPr lang="en-US"/>
           </a:p>
@@ -1820,7 +1809,7 @@
           <a:p>
             <a:fld id="{06B83C27-2525-4342-9082-7D1EAF504791}" type="datetimeFigureOut">
               <a:rPr lang="en-US" smtClean="0"/>
-              <a:t>6/5/2017</a:t>
+              <a:t>6/6/2017</a:t>
             </a:fld>
             <a:endParaRPr lang="en-US"/>
           </a:p>
@@ -1926,7 +1915,6 @@
               <a:rPr lang="en-US"/>
               <a:t>Click to edit Master title style</a:t>
             </a:r>
-            <a:endParaRPr lang="en-US"/>
           </a:p>
         </p:txBody>
       </p:sp>
@@ -2011,7 +1999,6 @@
               <a:rPr lang="en-US"/>
               <a:t>Fifth level</a:t>
             </a:r>
-            <a:endParaRPr lang="en-US"/>
           </a:p>
         </p:txBody>
       </p:sp>
@@ -2097,7 +2084,7 @@
           <a:p>
             <a:fld id="{06B83C27-2525-4342-9082-7D1EAF504791}" type="datetimeFigureOut">
               <a:rPr lang="en-US" smtClean="0"/>
-              <a:t>6/5/2017</a:t>
+              <a:t>6/6/2017</a:t>
             </a:fld>
             <a:endParaRPr lang="en-US"/>
           </a:p>
@@ -2203,7 +2190,6 @@
               <a:rPr lang="en-US"/>
               <a:t>Click to edit Master title style</a:t>
             </a:r>
-            <a:endParaRPr lang="en-US"/>
           </a:p>
         </p:txBody>
       </p:sp>
@@ -2350,7 +2336,7 @@
           <a:p>
             <a:fld id="{06B83C27-2525-4342-9082-7D1EAF504791}" type="datetimeFigureOut">
               <a:rPr lang="en-US" smtClean="0"/>
-              <a:t>6/5/2017</a:t>
+              <a:t>6/6/2017</a:t>
             </a:fld>
             <a:endParaRPr lang="en-US"/>
           </a:p>
@@ -2462,7 +2448,6 @@
               <a:rPr lang="en-US"/>
               <a:t>Click to edit Master title style</a:t>
             </a:r>
-            <a:endParaRPr lang="en-US"/>
           </a:p>
         </p:txBody>
       </p:sp>
@@ -2524,7 +2509,6 @@
               <a:rPr lang="en-US"/>
               <a:t>Fifth level</a:t>
             </a:r>
-            <a:endParaRPr lang="en-US"/>
           </a:p>
         </p:txBody>
       </p:sp>
@@ -2563,7 +2547,7 @@
           <a:p>
             <a:fld id="{06B83C27-2525-4342-9082-7D1EAF504791}" type="datetimeFigureOut">
               <a:rPr lang="en-US" smtClean="0"/>
-              <a:t>6/5/2017</a:t>
+              <a:t>6/6/2017</a:t>
             </a:fld>
             <a:endParaRPr lang="en-US"/>
           </a:p>
@@ -4508,7 +4492,7 @@
           <a:p>
             <a:r>
               <a:rPr lang="en-US" dirty="0"/>
-              <a:t>Give me connected nodes!!</a:t>
+              <a:t>Give me connected node info!!</a:t>
             </a:r>
           </a:p>
         </p:txBody>
@@ -4972,7 +4956,7 @@
           <a:p>
             <a:r>
               <a:rPr lang="en-US" dirty="0"/>
-              <a:t>Let me connect to these guys</a:t>
+              <a:t>Let me connect to these guys*</a:t>
             </a:r>
           </a:p>
         </p:txBody>
@@ -5342,6 +5326,35 @@
           </a:fontRef>
         </p:style>
       </p:cxnSp>
+      <p:sp>
+        <p:nvSpPr>
+          <p:cNvPr id="31" name="TextBox 30"/>
+          <p:cNvSpPr txBox="1"/>
+          <p:nvPr/>
+        </p:nvSpPr>
+        <p:spPr>
+          <a:xfrm>
+            <a:off x="9142182" y="6228023"/>
+            <a:ext cx="3015754" cy="646331"/>
+          </a:xfrm>
+          <a:prstGeom prst="rect">
+            <a:avLst/>
+          </a:prstGeom>
+          <a:noFill/>
+        </p:spPr>
+        <p:txBody>
+          <a:bodyPr wrap="square" rtlCol="0">
+            <a:spAutoFit/>
+          </a:bodyPr>
+          <a:lstStyle/>
+          <a:p>
+            <a:r>
+              <a:rPr lang="en-US" dirty="0"/>
+              <a:t>*All nodes connected to each other</a:t>
+            </a:r>
+          </a:p>
+        </p:txBody>
+      </p:sp>
     </p:spTree>
     <p:extLst>
       <p:ext uri="{BB962C8B-B14F-4D97-AF65-F5344CB8AC3E}">

--- a/node network.pptx
+++ b/node network.pptx
@@ -10,6 +10,8 @@
     <p:sldId id="258" r:id="rId4"/>
     <p:sldId id="259" r:id="rId5"/>
     <p:sldId id="260" r:id="rId6"/>
+    <p:sldId id="261" r:id="rId7"/>
+    <p:sldId id="262" r:id="rId8"/>
   </p:sldIdLst>
   <p:sldSz cx="12192000" cy="6858000"/>
   <p:notesSz cx="6858000" cy="9144000"/>
@@ -245,7 +247,7 @@
           <a:p>
             <a:fld id="{06B83C27-2525-4342-9082-7D1EAF504791}" type="datetimeFigureOut">
               <a:rPr lang="en-US" smtClean="0"/>
-              <a:t>6/6/2017</a:t>
+              <a:t>6/8/2017</a:t>
             </a:fld>
             <a:endParaRPr lang="en-US"/>
           </a:p>
@@ -413,7 +415,7 @@
           <a:p>
             <a:fld id="{06B83C27-2525-4342-9082-7D1EAF504791}" type="datetimeFigureOut">
               <a:rPr lang="en-US" smtClean="0"/>
-              <a:t>6/6/2017</a:t>
+              <a:t>6/8/2017</a:t>
             </a:fld>
             <a:endParaRPr lang="en-US"/>
           </a:p>
@@ -591,7 +593,7 @@
           <a:p>
             <a:fld id="{06B83C27-2525-4342-9082-7D1EAF504791}" type="datetimeFigureOut">
               <a:rPr lang="en-US" smtClean="0"/>
-              <a:t>6/6/2017</a:t>
+              <a:t>6/8/2017</a:t>
             </a:fld>
             <a:endParaRPr lang="en-US"/>
           </a:p>
@@ -759,7 +761,7 @@
           <a:p>
             <a:fld id="{06B83C27-2525-4342-9082-7D1EAF504791}" type="datetimeFigureOut">
               <a:rPr lang="en-US" smtClean="0"/>
-              <a:t>6/6/2017</a:t>
+              <a:t>6/8/2017</a:t>
             </a:fld>
             <a:endParaRPr lang="en-US"/>
           </a:p>
@@ -1004,7 +1006,7 @@
           <a:p>
             <a:fld id="{06B83C27-2525-4342-9082-7D1EAF504791}" type="datetimeFigureOut">
               <a:rPr lang="en-US" smtClean="0"/>
-              <a:t>6/6/2017</a:t>
+              <a:t>6/8/2017</a:t>
             </a:fld>
             <a:endParaRPr lang="en-US"/>
           </a:p>
@@ -1233,7 +1235,7 @@
           <a:p>
             <a:fld id="{06B83C27-2525-4342-9082-7D1EAF504791}" type="datetimeFigureOut">
               <a:rPr lang="en-US" smtClean="0"/>
-              <a:t>6/6/2017</a:t>
+              <a:t>6/8/2017</a:t>
             </a:fld>
             <a:endParaRPr lang="en-US"/>
           </a:p>
@@ -1597,7 +1599,7 @@
           <a:p>
             <a:fld id="{06B83C27-2525-4342-9082-7D1EAF504791}" type="datetimeFigureOut">
               <a:rPr lang="en-US" smtClean="0"/>
-              <a:t>6/6/2017</a:t>
+              <a:t>6/8/2017</a:t>
             </a:fld>
             <a:endParaRPr lang="en-US"/>
           </a:p>
@@ -1714,7 +1716,7 @@
           <a:p>
             <a:fld id="{06B83C27-2525-4342-9082-7D1EAF504791}" type="datetimeFigureOut">
               <a:rPr lang="en-US" smtClean="0"/>
-              <a:t>6/6/2017</a:t>
+              <a:t>6/8/2017</a:t>
             </a:fld>
             <a:endParaRPr lang="en-US"/>
           </a:p>
@@ -1809,7 +1811,7 @@
           <a:p>
             <a:fld id="{06B83C27-2525-4342-9082-7D1EAF504791}" type="datetimeFigureOut">
               <a:rPr lang="en-US" smtClean="0"/>
-              <a:t>6/6/2017</a:t>
+              <a:t>6/8/2017</a:t>
             </a:fld>
             <a:endParaRPr lang="en-US"/>
           </a:p>
@@ -2084,7 +2086,7 @@
           <a:p>
             <a:fld id="{06B83C27-2525-4342-9082-7D1EAF504791}" type="datetimeFigureOut">
               <a:rPr lang="en-US" smtClean="0"/>
-              <a:t>6/6/2017</a:t>
+              <a:t>6/8/2017</a:t>
             </a:fld>
             <a:endParaRPr lang="en-US"/>
           </a:p>
@@ -2336,7 +2338,7 @@
           <a:p>
             <a:fld id="{06B83C27-2525-4342-9082-7D1EAF504791}" type="datetimeFigureOut">
               <a:rPr lang="en-US" smtClean="0"/>
-              <a:t>6/6/2017</a:t>
+              <a:t>6/8/2017</a:t>
             </a:fld>
             <a:endParaRPr lang="en-US"/>
           </a:p>
@@ -2547,7 +2549,7 @@
           <a:p>
             <a:fld id="{06B83C27-2525-4342-9082-7D1EAF504791}" type="datetimeFigureOut">
               <a:rPr lang="en-US" smtClean="0"/>
-              <a:t>6/6/2017</a:t>
+              <a:t>6/8/2017</a:t>
             </a:fld>
             <a:endParaRPr lang="en-US"/>
           </a:p>
@@ -3934,7 +3936,7 @@
         <p:spPr>
           <a:xfrm>
             <a:off x="11006772" y="2344165"/>
-            <a:ext cx="1287956" cy="646331"/>
+            <a:ext cx="1287956" cy="923330"/>
           </a:xfrm>
           <a:prstGeom prst="rect">
             <a:avLst/>
@@ -3958,6 +3960,12 @@
               <a:t>10.20.0.10</a:t>
             </a:r>
           </a:p>
+          <a:p>
+            <a:r>
+              <a:rPr lang="en-US" dirty="0"/>
+              <a:t>temp</a:t>
+            </a:r>
+          </a:p>
         </p:txBody>
       </p:sp>
       <p:sp>
@@ -3969,7 +3977,7 @@
         <p:spPr>
           <a:xfrm>
             <a:off x="11045947" y="3848106"/>
-            <a:ext cx="1287956" cy="646331"/>
+            <a:ext cx="1287956" cy="923330"/>
           </a:xfrm>
           <a:prstGeom prst="rect">
             <a:avLst/>
@@ -3993,6 +4001,12 @@
               <a:t>10.20.0.11</a:t>
             </a:r>
           </a:p>
+          <a:p>
+            <a:r>
+              <a:rPr lang="en-US" dirty="0"/>
+              <a:t>humidity</a:t>
+            </a:r>
+          </a:p>
         </p:txBody>
       </p:sp>
       <p:sp>
@@ -4004,7 +4018,7 @@
         <p:spPr>
           <a:xfrm>
             <a:off x="11006772" y="5414605"/>
-            <a:ext cx="1287956" cy="646331"/>
+            <a:ext cx="1287956" cy="923330"/>
           </a:xfrm>
           <a:prstGeom prst="rect">
             <a:avLst/>
@@ -4028,6 +4042,12 @@
               <a:t>10.20.0.12</a:t>
             </a:r>
           </a:p>
+          <a:p>
+            <a:r>
+              <a:rPr lang="en-US" dirty="0"/>
+              <a:t>light</a:t>
+            </a:r>
+          </a:p>
         </p:txBody>
       </p:sp>
       <p:sp>
@@ -4038,8 +4058,8 @@
         </p:nvSpPr>
         <p:spPr>
           <a:xfrm>
-            <a:off x="4961702" y="5059905"/>
-            <a:ext cx="2268596" cy="1200329"/>
+            <a:off x="4961701" y="5059905"/>
+            <a:ext cx="3045161" cy="1200329"/>
           </a:xfrm>
           <a:prstGeom prst="rect">
             <a:avLst/>
@@ -4066,21 +4086,21 @@
             <a:pPr algn="ctr"/>
             <a:r>
               <a:rPr lang="en-US" dirty="0"/>
-              <a:t>edison01:10.20.0.10</a:t>
+              <a:t>edison01:10.20.0.10:temp</a:t>
             </a:r>
           </a:p>
           <a:p>
             <a:pPr algn="ctr"/>
             <a:r>
               <a:rPr lang="en-US" dirty="0"/>
-              <a:t>edison02:10.20.0.11</a:t>
+              <a:t>edison02:10.20.0.11:humidity</a:t>
             </a:r>
           </a:p>
           <a:p>
             <a:pPr algn="ctr"/>
             <a:r>
               <a:rPr lang="en-US" dirty="0"/>
-              <a:t>edison03:10.20.0.12</a:t>
+              <a:t>edison03:10.20.0.12:light</a:t>
             </a:r>
           </a:p>
         </p:txBody>
@@ -4224,6 +4244,29 @@
               </a14:hiddenFill>
             </a:ext>
           </a:extLst>
+        </p:spPr>
+      </p:pic>
+      <p:pic>
+        <p:nvPicPr>
+          <p:cNvPr id="5" name="Picture 4"/>
+          <p:cNvPicPr>
+            <a:picLocks noChangeAspect="1"/>
+          </p:cNvPicPr>
+          <p:nvPr/>
+        </p:nvPicPr>
+        <p:blipFill rotWithShape="1">
+          <a:blip r:embed="rId3"/>
+          <a:srcRect t="23008"/>
+          <a:stretch/>
+        </p:blipFill>
+        <p:spPr>
+          <a:xfrm>
+            <a:off x="760058" y="4876800"/>
+            <a:ext cx="8616462" cy="1137137"/>
+          </a:xfrm>
+          <a:prstGeom prst="rect">
+            <a:avLst/>
+          </a:prstGeom>
         </p:spPr>
       </p:pic>
     </p:spTree>
@@ -4266,7 +4309,12 @@
             <p:ph type="title"/>
           </p:nvPr>
         </p:nvSpPr>
-        <p:spPr/>
+        <p:spPr>
+          <a:xfrm>
+            <a:off x="625280" y="293944"/>
+            <a:ext cx="10515600" cy="1325563"/>
+          </a:xfrm>
+        </p:spPr>
         <p:txBody>
           <a:bodyPr/>
           <a:lstStyle/>
@@ -4296,7 +4344,7 @@
         </p:spPr>
         <p:txBody>
           <a:bodyPr>
-            <a:normAutofit fontScale="85000" lnSpcReduction="20000"/>
+            <a:normAutofit/>
           </a:bodyPr>
           <a:lstStyle/>
           <a:p>
@@ -4323,7 +4371,7 @@
             </a:pPr>
             <a:r>
               <a:rPr lang="en-US" dirty="0"/>
-              <a:t>Makes connections to those nodes </a:t>
+              <a:t>Sees which nodes has what it wants</a:t>
             </a:r>
           </a:p>
           <a:p>
@@ -4332,16 +4380,7 @@
             </a:pPr>
             <a:r>
               <a:rPr lang="en-US" dirty="0"/>
-              <a:t>Requests from those nodes for their sensor id’s</a:t>
-            </a:r>
-          </a:p>
-          <a:p>
-            <a:pPr marL="514350" indent="-514350">
-              <a:buAutoNum type="arabicParenR"/>
-            </a:pPr>
-            <a:r>
-              <a:rPr lang="en-US" dirty="0"/>
-              <a:t>Makes requests to those nodes to subscribe to the topics it wants</a:t>
+              <a:t>Makes connections to the nodes that have what it wants</a:t>
             </a:r>
           </a:p>
         </p:txBody>
@@ -4369,7 +4408,7 @@
         </p:blipFill>
         <p:spPr bwMode="auto">
           <a:xfrm>
-            <a:off x="9770381" y="1347920"/>
+            <a:off x="9770381" y="260279"/>
             <a:ext cx="1583419" cy="1338088"/>
           </a:xfrm>
           <a:prstGeom prst="rect">
@@ -4408,7 +4447,7 @@
         </p:blipFill>
         <p:spPr bwMode="auto">
           <a:xfrm>
-            <a:off x="6061462" y="1433232"/>
+            <a:off x="6061462" y="345591"/>
             <a:ext cx="1031008" cy="1167465"/>
           </a:xfrm>
           <a:prstGeom prst="rect">
@@ -4437,7 +4476,7 @@
         </p:nvCxnSpPr>
         <p:spPr>
           <a:xfrm flipH="1">
-            <a:off x="7092470" y="2016964"/>
+            <a:off x="7092470" y="929323"/>
             <a:ext cx="2677911" cy="1"/>
           </a:xfrm>
           <a:prstGeom prst="straightConnector1">
@@ -4476,7 +4515,7 @@
         </p:nvSpPr>
         <p:spPr>
           <a:xfrm>
-            <a:off x="7552706" y="1433232"/>
+            <a:off x="7552706" y="345591"/>
             <a:ext cx="2052551" cy="646331"/>
           </a:xfrm>
           <a:prstGeom prst="rect">
@@ -4520,7 +4559,7 @@
         </p:blipFill>
         <p:spPr bwMode="auto">
           <a:xfrm>
-            <a:off x="10201408" y="2514074"/>
+            <a:off x="10179680" y="1605377"/>
             <a:ext cx="1583419" cy="1338088"/>
           </a:xfrm>
           <a:prstGeom prst="rect">
@@ -4559,7 +4598,7 @@
         </p:blipFill>
         <p:spPr bwMode="auto">
           <a:xfrm>
-            <a:off x="6061462" y="2491151"/>
+            <a:off x="6061462" y="1495831"/>
             <a:ext cx="1031008" cy="1167465"/>
           </a:xfrm>
           <a:prstGeom prst="rect">
@@ -4585,7 +4624,7 @@
         </p:nvSpPr>
         <p:spPr>
           <a:xfrm>
-            <a:off x="7552705" y="2642953"/>
+            <a:off x="7552705" y="1647633"/>
             <a:ext cx="1389413" cy="369332"/>
           </a:xfrm>
           <a:prstGeom prst="rect">
@@ -4617,7 +4656,7 @@
         </p:nvCxnSpPr>
         <p:spPr>
           <a:xfrm flipV="1">
-            <a:off x="7092470" y="3074882"/>
+            <a:off x="7092470" y="2079562"/>
             <a:ext cx="2673983" cy="2"/>
           </a:xfrm>
           <a:prstGeom prst="straightConnector1">
@@ -4668,7 +4707,7 @@
         </p:blipFill>
         <p:spPr bwMode="auto">
           <a:xfrm>
-            <a:off x="9766453" y="2857404"/>
+            <a:off x="9766453" y="1862084"/>
             <a:ext cx="434955" cy="434955"/>
           </a:xfrm>
           <a:prstGeom prst="rect">
@@ -4688,7 +4727,7 @@
       </p:pic>
       <p:pic>
         <p:nvPicPr>
-          <p:cNvPr id="19" name="Picture 4" descr="https://cdn.sparkfun.com/assets/f/d/4/7/3/Edison_SIK-13_trans.png"/>
+          <p:cNvPr id="33" name="Picture 4" descr="https://cdn.sparkfun.com/assets/f/d/4/7/3/Edison_SIK-13_trans.png"/>
           <p:cNvPicPr>
             <a:picLocks noChangeAspect="1" noChangeArrowheads="1"/>
           </p:cNvPicPr>
@@ -4709,7 +4748,7 @@
         </p:blipFill>
         <p:spPr bwMode="auto">
           <a:xfrm>
-            <a:off x="7635260" y="3937705"/>
+            <a:off x="5669558" y="3630584"/>
             <a:ext cx="1583419" cy="1338088"/>
           </a:xfrm>
           <a:prstGeom prst="rect">
@@ -4727,9 +4766,52 @@
           </a:extLst>
         </p:spPr>
       </p:pic>
+      <p:sp>
+        <p:nvSpPr>
+          <p:cNvPr id="6" name="Thought Bubble: Cloud 5"/>
+          <p:cNvSpPr/>
+          <p:nvPr/>
+        </p:nvSpPr>
+        <p:spPr>
+          <a:xfrm>
+            <a:off x="6052760" y="2646448"/>
+            <a:ext cx="1918225" cy="1082152"/>
+          </a:xfrm>
+          <a:prstGeom prst="cloudCallout">
+            <a:avLst/>
+          </a:prstGeom>
+        </p:spPr>
+        <p:style>
+          <a:lnRef idx="2">
+            <a:schemeClr val="accent1">
+              <a:shade val="50000"/>
+            </a:schemeClr>
+          </a:lnRef>
+          <a:fillRef idx="1">
+            <a:schemeClr val="accent1"/>
+          </a:fillRef>
+          <a:effectRef idx="0">
+            <a:schemeClr val="accent1"/>
+          </a:effectRef>
+          <a:fontRef idx="minor">
+            <a:schemeClr val="lt1"/>
+          </a:fontRef>
+        </p:style>
+        <p:txBody>
+          <a:bodyPr rtlCol="0" anchor="ctr"/>
+          <a:lstStyle/>
+          <a:p>
+            <a:pPr algn="ctr"/>
+            <a:r>
+              <a:rPr lang="en-US" dirty="0"/>
+              <a:t>Hmm…who has a light sensor?</a:t>
+            </a:r>
+          </a:p>
+        </p:txBody>
+      </p:sp>
       <p:pic>
         <p:nvPicPr>
-          <p:cNvPr id="20" name="Picture 4" descr="https://cdn.sparkfun.com/assets/f/d/4/7/3/Edison_SIK-13_trans.png"/>
+          <p:cNvPr id="38" name="Picture 4" descr="https://cdn.sparkfun.com/assets/f/d/4/7/3/Edison_SIK-13_trans.png"/>
           <p:cNvPicPr>
             <a:picLocks noChangeAspect="1" noChangeArrowheads="1"/>
           </p:cNvPicPr>
@@ -4750,8 +4832,8 @@
         </p:blipFill>
         <p:spPr bwMode="auto">
           <a:xfrm>
-            <a:off x="10108224" y="4145249"/>
-            <a:ext cx="1176113" cy="993889"/>
+            <a:off x="9596331" y="2451173"/>
+            <a:ext cx="1583419" cy="1338088"/>
           </a:xfrm>
           <a:prstGeom prst="rect">
             <a:avLst/>
@@ -4770,7 +4852,7 @@
       </p:pic>
       <p:pic>
         <p:nvPicPr>
-          <p:cNvPr id="21" name="Picture 4" descr="https://cdn.sparkfun.com/assets/f/d/4/7/3/Edison_SIK-13_trans.png"/>
+          <p:cNvPr id="39" name="Picture 4" descr="https://cdn.sparkfun.com/assets/f/d/4/7/3/Edison_SIK-13_trans.png"/>
           <p:cNvPicPr>
             <a:picLocks noChangeAspect="1" noChangeArrowheads="1"/>
           </p:cNvPicPr>
@@ -4791,8 +4873,8 @@
         </p:blipFill>
         <p:spPr bwMode="auto">
           <a:xfrm>
-            <a:off x="9235490" y="5348850"/>
-            <a:ext cx="1176113" cy="993889"/>
+            <a:off x="9557461" y="3420749"/>
+            <a:ext cx="1583419" cy="1338088"/>
           </a:xfrm>
           <a:prstGeom prst="rect">
             <a:avLst/>
@@ -4809,9 +4891,101 @@
           </a:extLst>
         </p:spPr>
       </p:pic>
+      <p:sp>
+        <p:nvSpPr>
+          <p:cNvPr id="12" name="Speech Bubble: Rectangle 11"/>
+          <p:cNvSpPr/>
+          <p:nvPr/>
+        </p:nvSpPr>
+        <p:spPr>
+          <a:xfrm>
+            <a:off x="8693711" y="2580355"/>
+            <a:ext cx="736653" cy="677449"/>
+          </a:xfrm>
+          <a:prstGeom prst="wedgeRectCallout">
+            <a:avLst>
+              <a:gd name="adj1" fmla="val 93155"/>
+              <a:gd name="adj2" fmla="val 28728"/>
+            </a:avLst>
+          </a:prstGeom>
+        </p:spPr>
+        <p:style>
+          <a:lnRef idx="2">
+            <a:schemeClr val="accent1">
+              <a:shade val="50000"/>
+            </a:schemeClr>
+          </a:lnRef>
+          <a:fillRef idx="1">
+            <a:schemeClr val="accent1"/>
+          </a:fillRef>
+          <a:effectRef idx="0">
+            <a:schemeClr val="accent1"/>
+          </a:effectRef>
+          <a:fontRef idx="minor">
+            <a:schemeClr val="lt1"/>
+          </a:fontRef>
+        </p:style>
+        <p:txBody>
+          <a:bodyPr rtlCol="0" anchor="ctr"/>
+          <a:lstStyle/>
+          <a:p>
+            <a:pPr algn="ctr"/>
+            <a:r>
+              <a:rPr lang="en-US" dirty="0"/>
+              <a:t>I do!!!</a:t>
+            </a:r>
+          </a:p>
+        </p:txBody>
+      </p:sp>
+      <p:sp>
+        <p:nvSpPr>
+          <p:cNvPr id="41" name="Speech Bubble: Rectangle 40"/>
+          <p:cNvSpPr/>
+          <p:nvPr/>
+        </p:nvSpPr>
+        <p:spPr>
+          <a:xfrm>
+            <a:off x="8624141" y="3590616"/>
+            <a:ext cx="777682" cy="821355"/>
+          </a:xfrm>
+          <a:prstGeom prst="wedgeRectCallout">
+            <a:avLst>
+              <a:gd name="adj1" fmla="val 92401"/>
+              <a:gd name="adj2" fmla="val 10887"/>
+            </a:avLst>
+          </a:prstGeom>
+        </p:spPr>
+        <p:style>
+          <a:lnRef idx="2">
+            <a:schemeClr val="accent1">
+              <a:shade val="50000"/>
+            </a:schemeClr>
+          </a:lnRef>
+          <a:fillRef idx="1">
+            <a:schemeClr val="accent1"/>
+          </a:fillRef>
+          <a:effectRef idx="0">
+            <a:schemeClr val="accent1"/>
+          </a:effectRef>
+          <a:fontRef idx="minor">
+            <a:schemeClr val="lt1"/>
+          </a:fontRef>
+        </p:style>
+        <p:txBody>
+          <a:bodyPr rtlCol="0" anchor="ctr"/>
+          <a:lstStyle/>
+          <a:p>
+            <a:pPr algn="ctr"/>
+            <a:r>
+              <a:rPr lang="en-US" dirty="0"/>
+              <a:t>Me too!!!</a:t>
+            </a:r>
+          </a:p>
+        </p:txBody>
+      </p:sp>
       <p:pic>
         <p:nvPicPr>
-          <p:cNvPr id="22" name="Picture 4" descr="https://cdn.sparkfun.com/assets/f/d/4/7/3/Edison_SIK-13_trans.png"/>
+          <p:cNvPr id="43" name="Picture 4" descr="https://cdn.sparkfun.com/assets/f/d/4/7/3/Edison_SIK-13_trans.png"/>
           <p:cNvPicPr>
             <a:picLocks noChangeAspect="1" noChangeArrowheads="1"/>
           </p:cNvPicPr>
@@ -4832,8 +5006,8 @@
         </p:blipFill>
         <p:spPr bwMode="auto">
           <a:xfrm>
-            <a:off x="7904982" y="5636661"/>
-            <a:ext cx="1176113" cy="993889"/>
+            <a:off x="5643862" y="5474985"/>
+            <a:ext cx="1583419" cy="1338088"/>
           </a:xfrm>
           <a:prstGeom prst="rect">
             <a:avLst/>
@@ -4852,7 +5026,7 @@
       </p:pic>
       <p:pic>
         <p:nvPicPr>
-          <p:cNvPr id="23" name="Picture 4" descr="https://cdn.sparkfun.com/assets/f/d/4/7/3/Edison_SIK-13_trans.png"/>
+          <p:cNvPr id="44" name="Picture 4" descr="https://cdn.sparkfun.com/assets/f/d/4/7/3/Edison_SIK-13_trans.png"/>
           <p:cNvPicPr>
             <a:picLocks noChangeAspect="1" noChangeArrowheads="1"/>
           </p:cNvPicPr>
@@ -4873,8 +5047,8 @@
         </p:blipFill>
         <p:spPr bwMode="auto">
           <a:xfrm>
-            <a:off x="6459147" y="5348850"/>
-            <a:ext cx="1176113" cy="993889"/>
+            <a:off x="9557461" y="4549746"/>
+            <a:ext cx="1583419" cy="1338088"/>
           </a:xfrm>
           <a:prstGeom prst="rect">
             <a:avLst/>
@@ -4893,17 +5067,17 @@
       </p:pic>
       <p:pic>
         <p:nvPicPr>
-          <p:cNvPr id="24" name="Picture 4" descr="https://cdn.sparkfun.com/assets/f/d/4/7/3/Edison_SIK-13_trans.png"/>
+          <p:cNvPr id="45" name="Picture 4" descr="https://cdn.sparkfun.com/assets/f/d/4/7/3/Edison_SIK-13_trans.png"/>
           <p:cNvPicPr>
             <a:picLocks noChangeAspect="1" noChangeArrowheads="1"/>
           </p:cNvPicPr>
           <p:nvPr/>
         </p:nvPicPr>
         <p:blipFill>
-          <a:blip r:embed="rId5" cstate="hqprint">
+          <a:blip r:embed="rId2">
             <a:extLst>
               <a:ext uri="{28A0092B-C50C-407E-A947-70E740481C1C}">
-                <a14:useLocalDpi xmlns:a14="http://schemas.microsoft.com/office/drawing/2010/main"/>
+                <a14:useLocalDpi xmlns:a14="http://schemas.microsoft.com/office/drawing/2010/main" val="0"/>
               </a:ext>
             </a:extLst>
           </a:blip>
@@ -4914,8 +5088,8 @@
         </p:blipFill>
         <p:spPr bwMode="auto">
           <a:xfrm>
-            <a:off x="5569602" y="4354961"/>
-            <a:ext cx="1176113" cy="993889"/>
+            <a:off x="9734809" y="5637159"/>
+            <a:ext cx="1583419" cy="1338088"/>
           </a:xfrm>
           <a:prstGeom prst="rect">
             <a:avLst/>
@@ -4934,46 +5108,63 @@
       </p:pic>
       <p:sp>
         <p:nvSpPr>
-          <p:cNvPr id="25" name="TextBox 24"/>
-          <p:cNvSpPr txBox="1"/>
+          <p:cNvPr id="46" name="Speech Bubble: Rectangle 45"/>
+          <p:cNvSpPr/>
           <p:nvPr/>
         </p:nvSpPr>
         <p:spPr>
           <a:xfrm>
-            <a:off x="6807792" y="3715729"/>
-            <a:ext cx="3015754" cy="369332"/>
-          </a:xfrm>
-          <a:prstGeom prst="rect">
-            <a:avLst/>
+            <a:off x="6622294" y="4953394"/>
+            <a:ext cx="940351" cy="836633"/>
+          </a:xfrm>
+          <a:prstGeom prst="wedgeRectCallout">
+            <a:avLst>
+              <a:gd name="adj1" fmla="val -68573"/>
+              <a:gd name="adj2" fmla="val 43545"/>
+            </a:avLst>
           </a:prstGeom>
-          <a:noFill/>
-        </p:spPr>
-        <p:txBody>
-          <a:bodyPr wrap="square" rtlCol="0">
-            <a:spAutoFit/>
-          </a:bodyPr>
-          <a:lstStyle/>
-          <a:p>
-            <a:r>
-              <a:rPr lang="en-US" dirty="0"/>
-              <a:t>Let me connect to these guys*</a:t>
+        </p:spPr>
+        <p:style>
+          <a:lnRef idx="2">
+            <a:schemeClr val="accent1">
+              <a:shade val="50000"/>
+            </a:schemeClr>
+          </a:lnRef>
+          <a:fillRef idx="1">
+            <a:schemeClr val="accent1"/>
+          </a:fillRef>
+          <a:effectRef idx="0">
+            <a:schemeClr val="accent1"/>
+          </a:effectRef>
+          <a:fontRef idx="minor">
+            <a:schemeClr val="lt1"/>
+          </a:fontRef>
+        </p:style>
+        <p:txBody>
+          <a:bodyPr rtlCol="0" anchor="ctr"/>
+          <a:lstStyle/>
+          <a:p>
+            <a:pPr algn="ctr"/>
+            <a:r>
+              <a:rPr lang="en-US" sz="1200" dirty="0"/>
+              <a:t>Lets get to know each other</a:t>
             </a:r>
           </a:p>
         </p:txBody>
       </p:sp>
       <p:cxnSp>
         <p:nvCxnSpPr>
-          <p:cNvPr id="26" name="Straight Arrow Connector 25"/>
+          <p:cNvPr id="16" name="Straight Arrow Connector 15"/>
           <p:cNvCxnSpPr>
-            <a:stCxn id="24" idx="3"/>
-            <a:endCxn id="19" idx="1"/>
+            <a:stCxn id="43" idx="3"/>
+            <a:endCxn id="44" idx="1"/>
           </p:cNvCxnSpPr>
           <p:nvPr/>
         </p:nvCxnSpPr>
         <p:spPr>
           <a:xfrm flipV="1">
-            <a:off x="6745715" y="4606749"/>
-            <a:ext cx="889545" cy="245157"/>
+            <a:off x="7227281" y="5218790"/>
+            <a:ext cx="2330180" cy="925239"/>
           </a:xfrm>
           <a:prstGeom prst="straightConnector1">
             <a:avLst/>
@@ -5002,14 +5193,17 @@
       </p:cxnSp>
       <p:cxnSp>
         <p:nvCxnSpPr>
-          <p:cNvPr id="28" name="Straight Arrow Connector 27"/>
-          <p:cNvCxnSpPr/>
+          <p:cNvPr id="18" name="Straight Arrow Connector 17"/>
+          <p:cNvCxnSpPr>
+            <a:stCxn id="43" idx="3"/>
+            <a:endCxn id="45" idx="1"/>
+          </p:cNvCxnSpPr>
           <p:nvPr/>
         </p:nvCxnSpPr>
         <p:spPr>
-          <a:xfrm flipV="1">
-            <a:off x="7128410" y="4809178"/>
-            <a:ext cx="661245" cy="616208"/>
+          <a:xfrm>
+            <a:off x="7227281" y="6144029"/>
+            <a:ext cx="2507528" cy="162174"/>
           </a:xfrm>
           <a:prstGeom prst="straightConnector1">
             <a:avLst/>
@@ -5038,14 +5232,14 @@
       </p:cxnSp>
       <p:cxnSp>
         <p:nvCxnSpPr>
-          <p:cNvPr id="30" name="Straight Arrow Connector 29"/>
+          <p:cNvPr id="48" name="Straight Arrow Connector 47"/>
           <p:cNvCxnSpPr/>
           <p:nvPr/>
         </p:nvCxnSpPr>
         <p:spPr>
-          <a:xfrm flipV="1">
-            <a:off x="8410514" y="5173946"/>
-            <a:ext cx="32909" cy="456714"/>
+          <a:xfrm flipH="1">
+            <a:off x="7197444" y="5106263"/>
+            <a:ext cx="2267127" cy="919399"/>
           </a:xfrm>
           <a:prstGeom prst="straightConnector1">
             <a:avLst/>
@@ -5074,14 +5268,14 @@
       </p:cxnSp>
       <p:cxnSp>
         <p:nvCxnSpPr>
-          <p:cNvPr id="32" name="Straight Arrow Connector 31"/>
+          <p:cNvPr id="54" name="Straight Arrow Connector 53"/>
           <p:cNvCxnSpPr/>
           <p:nvPr/>
         </p:nvCxnSpPr>
         <p:spPr>
           <a:xfrm flipH="1" flipV="1">
-            <a:off x="9142182" y="5173946"/>
-            <a:ext cx="263115" cy="323824"/>
+            <a:off x="7197445" y="6293283"/>
+            <a:ext cx="2537364" cy="165788"/>
           </a:xfrm>
           <a:prstGeom prst="straightConnector1">
             <a:avLst/>
@@ -5108,257 +5302,201 @@
           </a:fontRef>
         </p:style>
       </p:cxnSp>
-      <p:cxnSp>
-        <p:nvCxnSpPr>
-          <p:cNvPr id="35" name="Straight Arrow Connector 34"/>
-          <p:cNvCxnSpPr>
-            <a:endCxn id="19" idx="3"/>
-          </p:cNvCxnSpPr>
-          <p:nvPr/>
-        </p:nvCxnSpPr>
-        <p:spPr>
-          <a:xfrm flipH="1">
-            <a:off x="9218679" y="4516873"/>
-            <a:ext cx="896809" cy="89876"/>
-          </a:xfrm>
-          <a:prstGeom prst="straightConnector1">
-            <a:avLst/>
-          </a:prstGeom>
-          <a:ln w="38100">
-            <a:solidFill>
-              <a:schemeClr val="tx1"/>
-            </a:solidFill>
-            <a:tailEnd type="triangle"/>
-          </a:ln>
-        </p:spPr>
-        <p:style>
-          <a:lnRef idx="1">
-            <a:schemeClr val="accent1"/>
-          </a:lnRef>
-          <a:fillRef idx="0">
-            <a:schemeClr val="accent1"/>
-          </a:fillRef>
-          <a:effectRef idx="0">
-            <a:schemeClr val="accent1"/>
-          </a:effectRef>
-          <a:fontRef idx="minor">
-            <a:schemeClr val="tx1"/>
-          </a:fontRef>
-        </p:style>
-      </p:cxnSp>
-      <p:cxnSp>
-        <p:nvCxnSpPr>
-          <p:cNvPr id="37" name="Straight Arrow Connector 36"/>
-          <p:cNvCxnSpPr/>
-          <p:nvPr/>
-        </p:nvCxnSpPr>
-        <p:spPr>
-          <a:xfrm flipV="1">
-            <a:off x="9273739" y="4794901"/>
-            <a:ext cx="927669" cy="76820"/>
-          </a:xfrm>
-          <a:prstGeom prst="straightConnector1">
-            <a:avLst/>
-          </a:prstGeom>
-          <a:ln w="38100">
-            <a:solidFill>
-              <a:schemeClr val="tx1"/>
-            </a:solidFill>
-            <a:tailEnd type="triangle"/>
-          </a:ln>
-        </p:spPr>
-        <p:style>
-          <a:lnRef idx="1">
-            <a:schemeClr val="accent1"/>
-          </a:lnRef>
-          <a:fillRef idx="0">
-            <a:schemeClr val="accent1"/>
-          </a:fillRef>
-          <a:effectRef idx="0">
-            <a:schemeClr val="accent1"/>
-          </a:effectRef>
-          <a:fontRef idx="minor">
-            <a:schemeClr val="tx1"/>
-          </a:fontRef>
-        </p:style>
-      </p:cxnSp>
-      <p:cxnSp>
-        <p:nvCxnSpPr>
-          <p:cNvPr id="40" name="Straight Arrow Connector 39"/>
-          <p:cNvCxnSpPr/>
-          <p:nvPr/>
-        </p:nvCxnSpPr>
-        <p:spPr>
-          <a:xfrm>
-            <a:off x="8935930" y="5223188"/>
-            <a:ext cx="319197" cy="431459"/>
-          </a:xfrm>
-          <a:prstGeom prst="straightConnector1">
-            <a:avLst/>
-          </a:prstGeom>
-          <a:ln w="38100">
-            <a:solidFill>
-              <a:schemeClr val="tx1"/>
-            </a:solidFill>
-            <a:tailEnd type="triangle"/>
-          </a:ln>
-        </p:spPr>
-        <p:style>
-          <a:lnRef idx="1">
-            <a:schemeClr val="accent1"/>
-          </a:lnRef>
-          <a:fillRef idx="0">
-            <a:schemeClr val="accent1"/>
-          </a:fillRef>
-          <a:effectRef idx="0">
-            <a:schemeClr val="accent1"/>
-          </a:effectRef>
-          <a:fontRef idx="minor">
-            <a:schemeClr val="tx1"/>
-          </a:fontRef>
-        </p:style>
-      </p:cxnSp>
-      <p:cxnSp>
-        <p:nvCxnSpPr>
-          <p:cNvPr id="42" name="Straight Arrow Connector 41"/>
-          <p:cNvCxnSpPr/>
-          <p:nvPr/>
-        </p:nvCxnSpPr>
-        <p:spPr>
-          <a:xfrm flipH="1">
-            <a:off x="8578981" y="5275793"/>
-            <a:ext cx="37785" cy="469711"/>
-          </a:xfrm>
-          <a:prstGeom prst="straightConnector1">
-            <a:avLst/>
-          </a:prstGeom>
-          <a:ln w="38100">
-            <a:solidFill>
-              <a:schemeClr val="tx1"/>
-            </a:solidFill>
-            <a:tailEnd type="triangle"/>
-          </a:ln>
-        </p:spPr>
-        <p:style>
-          <a:lnRef idx="1">
-            <a:schemeClr val="accent1"/>
-          </a:lnRef>
-          <a:fillRef idx="0">
-            <a:schemeClr val="accent1"/>
-          </a:fillRef>
-          <a:effectRef idx="0">
-            <a:schemeClr val="accent1"/>
-          </a:effectRef>
-          <a:fontRef idx="minor">
-            <a:schemeClr val="tx1"/>
-          </a:fontRef>
-        </p:style>
-      </p:cxnSp>
-      <p:cxnSp>
-        <p:nvCxnSpPr>
-          <p:cNvPr id="47" name="Straight Arrow Connector 46"/>
-          <p:cNvCxnSpPr/>
-          <p:nvPr/>
-        </p:nvCxnSpPr>
-        <p:spPr>
-          <a:xfrm flipH="1">
-            <a:off x="7241975" y="4916369"/>
-            <a:ext cx="647682" cy="645129"/>
-          </a:xfrm>
-          <a:prstGeom prst="straightConnector1">
-            <a:avLst/>
-          </a:prstGeom>
-          <a:ln w="38100">
-            <a:solidFill>
-              <a:schemeClr val="tx1"/>
-            </a:solidFill>
-            <a:tailEnd type="triangle"/>
-          </a:ln>
-        </p:spPr>
-        <p:style>
-          <a:lnRef idx="1">
-            <a:schemeClr val="accent1"/>
-          </a:lnRef>
-          <a:fillRef idx="0">
-            <a:schemeClr val="accent1"/>
-          </a:fillRef>
-          <a:effectRef idx="0">
-            <a:schemeClr val="accent1"/>
-          </a:effectRef>
-          <a:fontRef idx="minor">
-            <a:schemeClr val="tx1"/>
-          </a:fontRef>
-        </p:style>
-      </p:cxnSp>
-      <p:cxnSp>
-        <p:nvCxnSpPr>
-          <p:cNvPr id="50" name="Straight Arrow Connector 49"/>
-          <p:cNvCxnSpPr/>
-          <p:nvPr/>
-        </p:nvCxnSpPr>
-        <p:spPr>
-          <a:xfrm flipH="1">
-            <a:off x="6641941" y="4489924"/>
-            <a:ext cx="838924" cy="212293"/>
-          </a:xfrm>
-          <a:prstGeom prst="straightConnector1">
-            <a:avLst/>
-          </a:prstGeom>
-          <a:ln w="38100">
-            <a:solidFill>
-              <a:schemeClr val="tx1"/>
-            </a:solidFill>
-            <a:tailEnd type="triangle"/>
-          </a:ln>
-        </p:spPr>
-        <p:style>
-          <a:lnRef idx="1">
-            <a:schemeClr val="accent1"/>
-          </a:lnRef>
-          <a:fillRef idx="0">
-            <a:schemeClr val="accent1"/>
-          </a:fillRef>
-          <a:effectRef idx="0">
-            <a:schemeClr val="accent1"/>
-          </a:effectRef>
-          <a:fontRef idx="minor">
-            <a:schemeClr val="tx1"/>
-          </a:fontRef>
-        </p:style>
-      </p:cxnSp>
-      <p:sp>
-        <p:nvSpPr>
-          <p:cNvPr id="31" name="TextBox 30"/>
-          <p:cNvSpPr txBox="1"/>
-          <p:nvPr/>
-        </p:nvSpPr>
-        <p:spPr>
-          <a:xfrm>
-            <a:off x="9142182" y="6228023"/>
-            <a:ext cx="3015754" cy="646331"/>
-          </a:xfrm>
-          <a:prstGeom prst="rect">
-            <a:avLst/>
-          </a:prstGeom>
-          <a:noFill/>
-        </p:spPr>
-        <p:txBody>
-          <a:bodyPr wrap="square" rtlCol="0">
-            <a:spAutoFit/>
-          </a:bodyPr>
-          <a:lstStyle/>
-          <a:p>
-            <a:r>
-              <a:rPr lang="en-US" dirty="0"/>
-              <a:t>*All nodes connected to each other</a:t>
-            </a:r>
-          </a:p>
-        </p:txBody>
-      </p:sp>
     </p:spTree>
     <p:extLst>
       <p:ext uri="{BB962C8B-B14F-4D97-AF65-F5344CB8AC3E}">
         <p14:creationId xmlns:p14="http://schemas.microsoft.com/office/powerpoint/2010/main" val="553028676"/>
+      </p:ext>
+    </p:extLst>
+  </p:cSld>
+  <p:clrMapOvr>
+    <a:masterClrMapping/>
+  </p:clrMapOvr>
+</p:sld>
+</file>
+
+<file path=ppt/slides/slide6.xml><?xml version="1.0" encoding="utf-8"?>
+<p:sld xmlns:a="http://schemas.openxmlformats.org/drawingml/2006/main" xmlns:r="http://schemas.openxmlformats.org/officeDocument/2006/relationships" xmlns:p="http://schemas.openxmlformats.org/presentationml/2006/main">
+  <p:cSld>
+    <p:spTree>
+      <p:nvGrpSpPr>
+        <p:cNvPr id="1" name=""/>
+        <p:cNvGrpSpPr/>
+        <p:nvPr/>
+      </p:nvGrpSpPr>
+      <p:grpSpPr>
+        <a:xfrm>
+          <a:off x="0" y="0"/>
+          <a:ext cx="0" cy="0"/>
+          <a:chOff x="0" y="0"/>
+          <a:chExt cx="0" cy="0"/>
+        </a:xfrm>
+      </p:grpSpPr>
+      <p:sp>
+        <p:nvSpPr>
+          <p:cNvPr id="2" name="Title 1"/>
+          <p:cNvSpPr>
+            <a:spLocks noGrp="1"/>
+          </p:cNvSpPr>
+          <p:nvPr>
+            <p:ph type="title"/>
+          </p:nvPr>
+        </p:nvSpPr>
+        <p:spPr/>
+        <p:txBody>
+          <a:bodyPr/>
+          <a:lstStyle/>
+          <a:p>
+            <a:r>
+              <a:rPr lang="en-US" dirty="0"/>
+              <a:t>Problems</a:t>
+            </a:r>
+          </a:p>
+        </p:txBody>
+      </p:sp>
+      <p:sp>
+        <p:nvSpPr>
+          <p:cNvPr id="3" name="Content Placeholder 2"/>
+          <p:cNvSpPr>
+            <a:spLocks noGrp="1"/>
+          </p:cNvSpPr>
+          <p:nvPr>
+            <p:ph idx="1"/>
+          </p:nvPr>
+        </p:nvSpPr>
+        <p:spPr/>
+        <p:txBody>
+          <a:bodyPr/>
+          <a:lstStyle/>
+          <a:p>
+            <a:r>
+              <a:rPr lang="en-US" dirty="0"/>
+              <a:t>Node.JS waits for a socket buffer to fill before flushing.</a:t>
+            </a:r>
+          </a:p>
+          <a:p>
+            <a:pPr lvl="1"/>
+            <a:r>
+              <a:rPr lang="en-US" dirty="0"/>
+              <a:t>No manual way to flush a socket buffer</a:t>
+            </a:r>
+          </a:p>
+          <a:p>
+            <a:r>
+              <a:rPr lang="en-US" dirty="0"/>
+              <a:t>Devices can’t automatically reconnect after they lose connection.</a:t>
+            </a:r>
+          </a:p>
+          <a:p>
+            <a:r>
+              <a:rPr lang="en-US" dirty="0"/>
+              <a:t>Intel XDK has tons of bugs in it</a:t>
+            </a:r>
+          </a:p>
+          <a:p>
+            <a:endParaRPr lang="en-US" dirty="0"/>
+          </a:p>
+        </p:txBody>
+      </p:sp>
+    </p:spTree>
+    <p:extLst>
+      <p:ext uri="{BB962C8B-B14F-4D97-AF65-F5344CB8AC3E}">
+        <p14:creationId xmlns:p14="http://schemas.microsoft.com/office/powerpoint/2010/main" val="3820379229"/>
+      </p:ext>
+    </p:extLst>
+  </p:cSld>
+  <p:clrMapOvr>
+    <a:masterClrMapping/>
+  </p:clrMapOvr>
+</p:sld>
+</file>
+
+<file path=ppt/slides/slide7.xml><?xml version="1.0" encoding="utf-8"?>
+<p:sld xmlns:a="http://schemas.openxmlformats.org/drawingml/2006/main" xmlns:r="http://schemas.openxmlformats.org/officeDocument/2006/relationships" xmlns:p="http://schemas.openxmlformats.org/presentationml/2006/main">
+  <p:cSld>
+    <p:spTree>
+      <p:nvGrpSpPr>
+        <p:cNvPr id="1" name=""/>
+        <p:cNvGrpSpPr/>
+        <p:nvPr/>
+      </p:nvGrpSpPr>
+      <p:grpSpPr>
+        <a:xfrm>
+          <a:off x="0" y="0"/>
+          <a:ext cx="0" cy="0"/>
+          <a:chOff x="0" y="0"/>
+          <a:chExt cx="0" cy="0"/>
+        </a:xfrm>
+      </p:grpSpPr>
+      <p:sp>
+        <p:nvSpPr>
+          <p:cNvPr id="2" name="Title 1"/>
+          <p:cNvSpPr>
+            <a:spLocks noGrp="1"/>
+          </p:cNvSpPr>
+          <p:nvPr>
+            <p:ph type="title"/>
+          </p:nvPr>
+        </p:nvSpPr>
+        <p:spPr/>
+        <p:txBody>
+          <a:bodyPr/>
+          <a:lstStyle/>
+          <a:p>
+            <a:r>
+              <a:rPr lang="en-US" dirty="0"/>
+              <a:t>For the future</a:t>
+            </a:r>
+          </a:p>
+        </p:txBody>
+      </p:sp>
+      <p:sp>
+        <p:nvSpPr>
+          <p:cNvPr id="3" name="Content Placeholder 2"/>
+          <p:cNvSpPr>
+            <a:spLocks noGrp="1"/>
+          </p:cNvSpPr>
+          <p:nvPr>
+            <p:ph idx="1"/>
+          </p:nvPr>
+        </p:nvSpPr>
+        <p:spPr/>
+        <p:txBody>
+          <a:bodyPr/>
+          <a:lstStyle/>
+          <a:p>
+            <a:r>
+              <a:rPr lang="en-US" dirty="0"/>
+              <a:t>Make a website where you can monitor the nodes</a:t>
+            </a:r>
+          </a:p>
+          <a:p>
+            <a:r>
+              <a:rPr lang="en-US" dirty="0"/>
+              <a:t>Mobile code for custom actuation</a:t>
+            </a:r>
+          </a:p>
+          <a:p>
+            <a:r>
+              <a:rPr lang="en-US" dirty="0"/>
+              <a:t>Some way to auto reconnect</a:t>
+            </a:r>
+          </a:p>
+          <a:p>
+            <a:r>
+              <a:rPr lang="en-US" dirty="0"/>
+              <a:t>Some way to announce a disconnect from the network</a:t>
+            </a:r>
+          </a:p>
+          <a:p>
+            <a:endParaRPr lang="en-US" dirty="0"/>
+          </a:p>
+        </p:txBody>
+      </p:sp>
+    </p:spTree>
+    <p:extLst>
+      <p:ext uri="{BB962C8B-B14F-4D97-AF65-F5344CB8AC3E}">
+        <p14:creationId xmlns:p14="http://schemas.microsoft.com/office/powerpoint/2010/main" val="3251068213"/>
       </p:ext>
     </p:extLst>
   </p:cSld>

--- a/node network.pptx
+++ b/node network.pptx
@@ -245,7 +245,7 @@
           <a:p>
             <a:fld id="{06B83C27-2525-4342-9082-7D1EAF504791}" type="datetimeFigureOut">
               <a:rPr lang="en-US" smtClean="0"/>
-              <a:t>6/6/2017</a:t>
+              <a:t>6/12/2017</a:t>
             </a:fld>
             <a:endParaRPr lang="en-US"/>
           </a:p>
@@ -413,7 +413,7 @@
           <a:p>
             <a:fld id="{06B83C27-2525-4342-9082-7D1EAF504791}" type="datetimeFigureOut">
               <a:rPr lang="en-US" smtClean="0"/>
-              <a:t>6/6/2017</a:t>
+              <a:t>6/12/2017</a:t>
             </a:fld>
             <a:endParaRPr lang="en-US"/>
           </a:p>
@@ -591,7 +591,7 @@
           <a:p>
             <a:fld id="{06B83C27-2525-4342-9082-7D1EAF504791}" type="datetimeFigureOut">
               <a:rPr lang="en-US" smtClean="0"/>
-              <a:t>6/6/2017</a:t>
+              <a:t>6/12/2017</a:t>
             </a:fld>
             <a:endParaRPr lang="en-US"/>
           </a:p>
@@ -759,7 +759,7 @@
           <a:p>
             <a:fld id="{06B83C27-2525-4342-9082-7D1EAF504791}" type="datetimeFigureOut">
               <a:rPr lang="en-US" smtClean="0"/>
-              <a:t>6/6/2017</a:t>
+              <a:t>6/12/2017</a:t>
             </a:fld>
             <a:endParaRPr lang="en-US"/>
           </a:p>
@@ -1004,7 +1004,7 @@
           <a:p>
             <a:fld id="{06B83C27-2525-4342-9082-7D1EAF504791}" type="datetimeFigureOut">
               <a:rPr lang="en-US" smtClean="0"/>
-              <a:t>6/6/2017</a:t>
+              <a:t>6/12/2017</a:t>
             </a:fld>
             <a:endParaRPr lang="en-US"/>
           </a:p>
@@ -1233,7 +1233,7 @@
           <a:p>
             <a:fld id="{06B83C27-2525-4342-9082-7D1EAF504791}" type="datetimeFigureOut">
               <a:rPr lang="en-US" smtClean="0"/>
-              <a:t>6/6/2017</a:t>
+              <a:t>6/12/2017</a:t>
             </a:fld>
             <a:endParaRPr lang="en-US"/>
           </a:p>
@@ -1597,7 +1597,7 @@
           <a:p>
             <a:fld id="{06B83C27-2525-4342-9082-7D1EAF504791}" type="datetimeFigureOut">
               <a:rPr lang="en-US" smtClean="0"/>
-              <a:t>6/6/2017</a:t>
+              <a:t>6/12/2017</a:t>
             </a:fld>
             <a:endParaRPr lang="en-US"/>
           </a:p>
@@ -1714,7 +1714,7 @@
           <a:p>
             <a:fld id="{06B83C27-2525-4342-9082-7D1EAF504791}" type="datetimeFigureOut">
               <a:rPr lang="en-US" smtClean="0"/>
-              <a:t>6/6/2017</a:t>
+              <a:t>6/12/2017</a:t>
             </a:fld>
             <a:endParaRPr lang="en-US"/>
           </a:p>
@@ -1809,7 +1809,7 @@
           <a:p>
             <a:fld id="{06B83C27-2525-4342-9082-7D1EAF504791}" type="datetimeFigureOut">
               <a:rPr lang="en-US" smtClean="0"/>
-              <a:t>6/6/2017</a:t>
+              <a:t>6/12/2017</a:t>
             </a:fld>
             <a:endParaRPr lang="en-US"/>
           </a:p>
@@ -2084,7 +2084,7 @@
           <a:p>
             <a:fld id="{06B83C27-2525-4342-9082-7D1EAF504791}" type="datetimeFigureOut">
               <a:rPr lang="en-US" smtClean="0"/>
-              <a:t>6/6/2017</a:t>
+              <a:t>6/12/2017</a:t>
             </a:fld>
             <a:endParaRPr lang="en-US"/>
           </a:p>
@@ -2336,7 +2336,7 @@
           <a:p>
             <a:fld id="{06B83C27-2525-4342-9082-7D1EAF504791}" type="datetimeFigureOut">
               <a:rPr lang="en-US" smtClean="0"/>
-              <a:t>6/6/2017</a:t>
+              <a:t>6/12/2017</a:t>
             </a:fld>
             <a:endParaRPr lang="en-US"/>
           </a:p>
@@ -2547,7 +2547,7 @@
           <a:p>
             <a:fld id="{06B83C27-2525-4342-9082-7D1EAF504791}" type="datetimeFigureOut">
               <a:rPr lang="en-US" smtClean="0"/>
-              <a:t>6/6/2017</a:t>
+              <a:t>6/12/2017</a:t>
             </a:fld>
             <a:endParaRPr lang="en-US"/>
           </a:p>

--- a/node network.pptx
+++ b/node network.pptx
@@ -10,8 +10,10 @@
     <p:sldId id="258" r:id="rId4"/>
     <p:sldId id="259" r:id="rId5"/>
     <p:sldId id="260" r:id="rId6"/>
-    <p:sldId id="261" r:id="rId7"/>
-    <p:sldId id="262" r:id="rId8"/>
+    <p:sldId id="263" r:id="rId7"/>
+    <p:sldId id="264" r:id="rId8"/>
+    <p:sldId id="261" r:id="rId9"/>
+    <p:sldId id="262" r:id="rId10"/>
   </p:sldIdLst>
   <p:sldSz cx="12192000" cy="6858000"/>
   <p:notesSz cx="6858000" cy="9144000"/>
@@ -247,7 +249,7 @@
           <a:p>
             <a:fld id="{06B83C27-2525-4342-9082-7D1EAF504791}" type="datetimeFigureOut">
               <a:rPr lang="en-US" smtClean="0"/>
-              <a:t>6/8/2017</a:t>
+              <a:t>6/14/2017</a:t>
             </a:fld>
             <a:endParaRPr lang="en-US"/>
           </a:p>
@@ -415,7 +417,7 @@
           <a:p>
             <a:fld id="{06B83C27-2525-4342-9082-7D1EAF504791}" type="datetimeFigureOut">
               <a:rPr lang="en-US" smtClean="0"/>
-              <a:t>6/8/2017</a:t>
+              <a:t>6/14/2017</a:t>
             </a:fld>
             <a:endParaRPr lang="en-US"/>
           </a:p>
@@ -593,7 +595,7 @@
           <a:p>
             <a:fld id="{06B83C27-2525-4342-9082-7D1EAF504791}" type="datetimeFigureOut">
               <a:rPr lang="en-US" smtClean="0"/>
-              <a:t>6/8/2017</a:t>
+              <a:t>6/14/2017</a:t>
             </a:fld>
             <a:endParaRPr lang="en-US"/>
           </a:p>
@@ -761,7 +763,7 @@
           <a:p>
             <a:fld id="{06B83C27-2525-4342-9082-7D1EAF504791}" type="datetimeFigureOut">
               <a:rPr lang="en-US" smtClean="0"/>
-              <a:t>6/8/2017</a:t>
+              <a:t>6/14/2017</a:t>
             </a:fld>
             <a:endParaRPr lang="en-US"/>
           </a:p>
@@ -1006,7 +1008,7 @@
           <a:p>
             <a:fld id="{06B83C27-2525-4342-9082-7D1EAF504791}" type="datetimeFigureOut">
               <a:rPr lang="en-US" smtClean="0"/>
-              <a:t>6/8/2017</a:t>
+              <a:t>6/14/2017</a:t>
             </a:fld>
             <a:endParaRPr lang="en-US"/>
           </a:p>
@@ -1235,7 +1237,7 @@
           <a:p>
             <a:fld id="{06B83C27-2525-4342-9082-7D1EAF504791}" type="datetimeFigureOut">
               <a:rPr lang="en-US" smtClean="0"/>
-              <a:t>6/8/2017</a:t>
+              <a:t>6/14/2017</a:t>
             </a:fld>
             <a:endParaRPr lang="en-US"/>
           </a:p>
@@ -1599,7 +1601,7 @@
           <a:p>
             <a:fld id="{06B83C27-2525-4342-9082-7D1EAF504791}" type="datetimeFigureOut">
               <a:rPr lang="en-US" smtClean="0"/>
-              <a:t>6/8/2017</a:t>
+              <a:t>6/14/2017</a:t>
             </a:fld>
             <a:endParaRPr lang="en-US"/>
           </a:p>
@@ -1716,7 +1718,7 @@
           <a:p>
             <a:fld id="{06B83C27-2525-4342-9082-7D1EAF504791}" type="datetimeFigureOut">
               <a:rPr lang="en-US" smtClean="0"/>
-              <a:t>6/8/2017</a:t>
+              <a:t>6/14/2017</a:t>
             </a:fld>
             <a:endParaRPr lang="en-US"/>
           </a:p>
@@ -1811,7 +1813,7 @@
           <a:p>
             <a:fld id="{06B83C27-2525-4342-9082-7D1EAF504791}" type="datetimeFigureOut">
               <a:rPr lang="en-US" smtClean="0"/>
-              <a:t>6/8/2017</a:t>
+              <a:t>6/14/2017</a:t>
             </a:fld>
             <a:endParaRPr lang="en-US"/>
           </a:p>
@@ -2086,7 +2088,7 @@
           <a:p>
             <a:fld id="{06B83C27-2525-4342-9082-7D1EAF504791}" type="datetimeFigureOut">
               <a:rPr lang="en-US" smtClean="0"/>
-              <a:t>6/8/2017</a:t>
+              <a:t>6/14/2017</a:t>
             </a:fld>
             <a:endParaRPr lang="en-US"/>
           </a:p>
@@ -2338,7 +2340,7 @@
           <a:p>
             <a:fld id="{06B83C27-2525-4342-9082-7D1EAF504791}" type="datetimeFigureOut">
               <a:rPr lang="en-US" smtClean="0"/>
-              <a:t>6/8/2017</a:t>
+              <a:t>6/14/2017</a:t>
             </a:fld>
             <a:endParaRPr lang="en-US"/>
           </a:p>
@@ -2549,7 +2551,7 @@
           <a:p>
             <a:fld id="{06B83C27-2525-4342-9082-7D1EAF504791}" type="datetimeFigureOut">
               <a:rPr lang="en-US" smtClean="0"/>
-              <a:t>6/8/2017</a:t>
+              <a:t>6/14/2017</a:t>
             </a:fld>
             <a:endParaRPr lang="en-US"/>
           </a:p>
@@ -4321,7 +4323,7 @@
           <a:p>
             <a:r>
               <a:rPr lang="en-US" dirty="0"/>
-              <a:t>Slave Node (joining) </a:t>
+              <a:t>Slave Node (joining) old </a:t>
             </a:r>
           </a:p>
         </p:txBody>
@@ -5349,6 +5351,1674 @@
           <a:p>
             <a:r>
               <a:rPr lang="en-US" dirty="0"/>
+              <a:t>Slave Node (joining) new</a:t>
+            </a:r>
+          </a:p>
+        </p:txBody>
+      </p:sp>
+      <p:sp>
+        <p:nvSpPr>
+          <p:cNvPr id="3" name="Content Placeholder 2"/>
+          <p:cNvSpPr>
+            <a:spLocks noGrp="1"/>
+          </p:cNvSpPr>
+          <p:nvPr>
+            <p:ph idx="1"/>
+          </p:nvPr>
+        </p:nvSpPr>
+        <p:spPr>
+          <a:xfrm>
+            <a:off x="838200" y="1825625"/>
+            <a:ext cx="3598333" cy="4351338"/>
+          </a:xfrm>
+        </p:spPr>
+        <p:txBody>
+          <a:bodyPr/>
+          <a:lstStyle/>
+          <a:p>
+            <a:pPr marL="514350" indent="-514350">
+              <a:buAutoNum type="arabicParenR"/>
+            </a:pPr>
+            <a:r>
+              <a:rPr lang="en-US" dirty="0"/>
+              <a:t>Node connects to master node</a:t>
+            </a:r>
+          </a:p>
+          <a:p>
+            <a:pPr marL="514350" indent="-514350">
+              <a:buAutoNum type="arabicParenR"/>
+            </a:pPr>
+            <a:r>
+              <a:rPr lang="en-US" dirty="0"/>
+              <a:t>Master node sees what the new node has/wants</a:t>
+            </a:r>
+          </a:p>
+          <a:p>
+            <a:pPr marL="514350" indent="-514350">
+              <a:buAutoNum type="arabicParenR"/>
+            </a:pPr>
+            <a:r>
+              <a:rPr lang="en-US" dirty="0"/>
+              <a:t>Sends info of new devices to other devices based on what the new one has</a:t>
+            </a:r>
+          </a:p>
+          <a:p>
+            <a:pPr marL="514350" indent="-514350">
+              <a:buAutoNum type="arabicParenR"/>
+            </a:pPr>
+            <a:endParaRPr lang="en-US" dirty="0"/>
+          </a:p>
+        </p:txBody>
+      </p:sp>
+      <p:pic>
+        <p:nvPicPr>
+          <p:cNvPr id="5" name="Picture 2" descr="https://avvid.files.wordpress.com/2014/06/3dverde.png?w=493&amp;h=402"/>
+          <p:cNvPicPr>
+            <a:picLocks noChangeAspect="1" noChangeArrowheads="1"/>
+          </p:cNvPicPr>
+          <p:nvPr/>
+        </p:nvPicPr>
+        <p:blipFill rotWithShape="1">
+          <a:blip r:embed="rId2">
+            <a:extLst>
+              <a:ext uri="{28A0092B-C50C-407E-A947-70E740481C1C}">
+                <a14:useLocalDpi xmlns:a14="http://schemas.microsoft.com/office/drawing/2010/main" val="0"/>
+              </a:ext>
+            </a:extLst>
+          </a:blip>
+          <a:srcRect l="4149" t="30792" r="78657" b="45331"/>
+          <a:stretch/>
+        </p:blipFill>
+        <p:spPr bwMode="auto">
+          <a:xfrm>
+            <a:off x="6704928" y="365125"/>
+            <a:ext cx="1031008" cy="1167465"/>
+          </a:xfrm>
+          <a:prstGeom prst="rect">
+            <a:avLst/>
+          </a:prstGeom>
+          <a:noFill/>
+          <a:extLst>
+            <a:ext uri="{909E8E84-426E-40DD-AFC4-6F175D3DCCD1}">
+              <a14:hiddenFill xmlns:a14="http://schemas.microsoft.com/office/drawing/2010/main">
+                <a:solidFill>
+                  <a:srgbClr val="FFFFFF"/>
+                </a:solidFill>
+              </a14:hiddenFill>
+            </a:ext>
+          </a:extLst>
+        </p:spPr>
+      </p:pic>
+      <p:cxnSp>
+        <p:nvCxnSpPr>
+          <p:cNvPr id="6" name="Straight Arrow Connector 5"/>
+          <p:cNvCxnSpPr>
+            <a:endCxn id="5" idx="3"/>
+          </p:cNvCxnSpPr>
+          <p:nvPr/>
+        </p:nvCxnSpPr>
+        <p:spPr>
+          <a:xfrm flipH="1">
+            <a:off x="7735936" y="948857"/>
+            <a:ext cx="2677911" cy="1"/>
+          </a:xfrm>
+          <a:prstGeom prst="straightConnector1">
+            <a:avLst/>
+          </a:prstGeom>
+          <a:ln w="38100">
+            <a:solidFill>
+              <a:schemeClr val="tx1">
+                <a:lumMod val="85000"/>
+                <a:lumOff val="15000"/>
+              </a:schemeClr>
+            </a:solidFill>
+            <a:tailEnd type="triangle"/>
+          </a:ln>
+        </p:spPr>
+        <p:style>
+          <a:lnRef idx="1">
+            <a:schemeClr val="accent1"/>
+          </a:lnRef>
+          <a:fillRef idx="0">
+            <a:schemeClr val="accent1"/>
+          </a:fillRef>
+          <a:effectRef idx="0">
+            <a:schemeClr val="accent1"/>
+          </a:effectRef>
+          <a:fontRef idx="minor">
+            <a:schemeClr val="tx1"/>
+          </a:fontRef>
+        </p:style>
+      </p:cxnSp>
+      <p:sp>
+        <p:nvSpPr>
+          <p:cNvPr id="7" name="Oval 6"/>
+          <p:cNvSpPr/>
+          <p:nvPr/>
+        </p:nvSpPr>
+        <p:spPr>
+          <a:xfrm>
+            <a:off x="10583333" y="349250"/>
+            <a:ext cx="1532543" cy="1183340"/>
+          </a:xfrm>
+          <a:prstGeom prst="ellipse">
+            <a:avLst/>
+          </a:prstGeom>
+          <a:solidFill>
+            <a:schemeClr val="bg1"/>
+          </a:solidFill>
+        </p:spPr>
+        <p:style>
+          <a:lnRef idx="2">
+            <a:schemeClr val="accent1">
+              <a:shade val="50000"/>
+            </a:schemeClr>
+          </a:lnRef>
+          <a:fillRef idx="1">
+            <a:schemeClr val="accent1"/>
+          </a:fillRef>
+          <a:effectRef idx="0">
+            <a:schemeClr val="accent1"/>
+          </a:effectRef>
+          <a:fontRef idx="minor">
+            <a:schemeClr val="lt1"/>
+          </a:fontRef>
+        </p:style>
+        <p:txBody>
+          <a:bodyPr rtlCol="0" anchor="ctr"/>
+          <a:lstStyle/>
+          <a:p>
+            <a:pPr algn="ctr"/>
+            <a:r>
+              <a:rPr lang="en-US" sz="1200" b="1" u="sng" dirty="0">
+                <a:solidFill>
+                  <a:schemeClr val="tx1"/>
+                </a:solidFill>
+              </a:rPr>
+              <a:t>Edison02</a:t>
+            </a:r>
+          </a:p>
+          <a:p>
+            <a:pPr algn="ctr"/>
+            <a:r>
+              <a:rPr lang="en-US" sz="1200" dirty="0">
+                <a:solidFill>
+                  <a:schemeClr val="tx1"/>
+                </a:solidFill>
+              </a:rPr>
+              <a:t>Has: Light </a:t>
+            </a:r>
+          </a:p>
+          <a:p>
+            <a:pPr algn="ctr"/>
+            <a:r>
+              <a:rPr lang="en-US" sz="1200" dirty="0">
+                <a:solidFill>
+                  <a:schemeClr val="tx1"/>
+                </a:solidFill>
+              </a:rPr>
+              <a:t>Wants: Button</a:t>
+            </a:r>
+          </a:p>
+        </p:txBody>
+      </p:sp>
+      <p:sp>
+        <p:nvSpPr>
+          <p:cNvPr id="8" name="Oval 7"/>
+          <p:cNvSpPr/>
+          <p:nvPr/>
+        </p:nvSpPr>
+        <p:spPr>
+          <a:xfrm>
+            <a:off x="8122549" y="3800630"/>
+            <a:ext cx="1301630" cy="1246216"/>
+          </a:xfrm>
+          <a:prstGeom prst="ellipse">
+            <a:avLst/>
+          </a:prstGeom>
+          <a:solidFill>
+            <a:schemeClr val="bg1"/>
+          </a:solidFill>
+        </p:spPr>
+        <p:style>
+          <a:lnRef idx="2">
+            <a:schemeClr val="accent1">
+              <a:shade val="50000"/>
+            </a:schemeClr>
+          </a:lnRef>
+          <a:fillRef idx="1">
+            <a:schemeClr val="accent1"/>
+          </a:fillRef>
+          <a:effectRef idx="0">
+            <a:schemeClr val="accent1"/>
+          </a:effectRef>
+          <a:fontRef idx="minor">
+            <a:schemeClr val="lt1"/>
+          </a:fontRef>
+        </p:style>
+        <p:txBody>
+          <a:bodyPr rtlCol="0" anchor="ctr"/>
+          <a:lstStyle/>
+          <a:p>
+            <a:pPr algn="ctr"/>
+            <a:r>
+              <a:rPr lang="en-US" sz="1200" b="1" u="sng" dirty="0">
+                <a:solidFill>
+                  <a:schemeClr val="tx1"/>
+                </a:solidFill>
+              </a:rPr>
+              <a:t>Edison03</a:t>
+            </a:r>
+          </a:p>
+          <a:p>
+            <a:pPr algn="ctr"/>
+            <a:r>
+              <a:rPr lang="en-US" sz="1200" dirty="0">
+                <a:solidFill>
+                  <a:schemeClr val="tx1"/>
+                </a:solidFill>
+              </a:rPr>
+              <a:t>Has: Button </a:t>
+            </a:r>
+          </a:p>
+          <a:p>
+            <a:pPr algn="ctr"/>
+            <a:r>
+              <a:rPr lang="en-US" sz="1200" dirty="0">
+                <a:solidFill>
+                  <a:schemeClr val="tx1"/>
+                </a:solidFill>
+              </a:rPr>
+              <a:t>Wants: Light</a:t>
+            </a:r>
+          </a:p>
+        </p:txBody>
+      </p:sp>
+      <p:cxnSp>
+        <p:nvCxnSpPr>
+          <p:cNvPr id="9" name="Straight Arrow Connector 8"/>
+          <p:cNvCxnSpPr/>
+          <p:nvPr/>
+        </p:nvCxnSpPr>
+        <p:spPr>
+          <a:xfrm>
+            <a:off x="7751456" y="1217680"/>
+            <a:ext cx="2662391" cy="7051"/>
+          </a:xfrm>
+          <a:prstGeom prst="straightConnector1">
+            <a:avLst/>
+          </a:prstGeom>
+          <a:ln w="38100">
+            <a:solidFill>
+              <a:schemeClr val="tx1">
+                <a:lumMod val="85000"/>
+                <a:lumOff val="15000"/>
+              </a:schemeClr>
+            </a:solidFill>
+            <a:tailEnd type="triangle"/>
+          </a:ln>
+        </p:spPr>
+        <p:style>
+          <a:lnRef idx="1">
+            <a:schemeClr val="accent1"/>
+          </a:lnRef>
+          <a:fillRef idx="0">
+            <a:schemeClr val="accent1"/>
+          </a:fillRef>
+          <a:effectRef idx="0">
+            <a:schemeClr val="accent1"/>
+          </a:effectRef>
+          <a:fontRef idx="minor">
+            <a:schemeClr val="tx1"/>
+          </a:fontRef>
+        </p:style>
+      </p:cxnSp>
+      <p:sp>
+        <p:nvSpPr>
+          <p:cNvPr id="13" name="TextBox 12"/>
+          <p:cNvSpPr txBox="1"/>
+          <p:nvPr/>
+        </p:nvSpPr>
+        <p:spPr>
+          <a:xfrm>
+            <a:off x="7735936" y="1320800"/>
+            <a:ext cx="2677911" cy="276999"/>
+          </a:xfrm>
+          <a:prstGeom prst="rect">
+            <a:avLst/>
+          </a:prstGeom>
+          <a:noFill/>
+        </p:spPr>
+        <p:txBody>
+          <a:bodyPr wrap="square" rtlCol="0">
+            <a:spAutoFit/>
+          </a:bodyPr>
+          <a:lstStyle/>
+          <a:p>
+            <a:r>
+              <a:rPr lang="en-US" sz="1200" dirty="0"/>
+              <a:t>Here are devices you should connect to</a:t>
+            </a:r>
+          </a:p>
+        </p:txBody>
+      </p:sp>
+      <p:sp>
+        <p:nvSpPr>
+          <p:cNvPr id="14" name="Oval 13"/>
+          <p:cNvSpPr/>
+          <p:nvPr/>
+        </p:nvSpPr>
+        <p:spPr>
+          <a:xfrm>
+            <a:off x="6566782" y="3791969"/>
+            <a:ext cx="1235519" cy="1240647"/>
+          </a:xfrm>
+          <a:prstGeom prst="ellipse">
+            <a:avLst/>
+          </a:prstGeom>
+          <a:solidFill>
+            <a:schemeClr val="bg1"/>
+          </a:solidFill>
+        </p:spPr>
+        <p:style>
+          <a:lnRef idx="2">
+            <a:schemeClr val="accent1">
+              <a:shade val="50000"/>
+            </a:schemeClr>
+          </a:lnRef>
+          <a:fillRef idx="1">
+            <a:schemeClr val="accent1"/>
+          </a:fillRef>
+          <a:effectRef idx="0">
+            <a:schemeClr val="accent1"/>
+          </a:effectRef>
+          <a:fontRef idx="minor">
+            <a:schemeClr val="lt1"/>
+          </a:fontRef>
+        </p:style>
+        <p:txBody>
+          <a:bodyPr rtlCol="0" anchor="ctr"/>
+          <a:lstStyle/>
+          <a:p>
+            <a:pPr algn="ctr"/>
+            <a:r>
+              <a:rPr lang="en-US" sz="1200" b="1" u="sng" dirty="0">
+                <a:solidFill>
+                  <a:schemeClr val="tx1"/>
+                </a:solidFill>
+              </a:rPr>
+              <a:t>Edison01</a:t>
+            </a:r>
+          </a:p>
+          <a:p>
+            <a:pPr algn="ctr"/>
+            <a:r>
+              <a:rPr lang="en-US" sz="1200" dirty="0">
+                <a:solidFill>
+                  <a:schemeClr val="tx1"/>
+                </a:solidFill>
+              </a:rPr>
+              <a:t>Has:</a:t>
+            </a:r>
+          </a:p>
+          <a:p>
+            <a:pPr algn="ctr"/>
+            <a:r>
+              <a:rPr lang="en-US" sz="1200" dirty="0">
+                <a:solidFill>
+                  <a:schemeClr val="tx1"/>
+                </a:solidFill>
+              </a:rPr>
+              <a:t>Wants: Button, Light</a:t>
+            </a:r>
+          </a:p>
+        </p:txBody>
+      </p:sp>
+      <p:sp>
+        <p:nvSpPr>
+          <p:cNvPr id="18" name="Oval 17"/>
+          <p:cNvSpPr/>
+          <p:nvPr/>
+        </p:nvSpPr>
+        <p:spPr>
+          <a:xfrm>
+            <a:off x="9768451" y="3788146"/>
+            <a:ext cx="1289015" cy="1258700"/>
+          </a:xfrm>
+          <a:prstGeom prst="ellipse">
+            <a:avLst/>
+          </a:prstGeom>
+          <a:solidFill>
+            <a:schemeClr val="bg1"/>
+          </a:solidFill>
+        </p:spPr>
+        <p:style>
+          <a:lnRef idx="2">
+            <a:schemeClr val="accent1">
+              <a:shade val="50000"/>
+            </a:schemeClr>
+          </a:lnRef>
+          <a:fillRef idx="1">
+            <a:schemeClr val="accent1"/>
+          </a:fillRef>
+          <a:effectRef idx="0">
+            <a:schemeClr val="accent1"/>
+          </a:effectRef>
+          <a:fontRef idx="minor">
+            <a:schemeClr val="lt1"/>
+          </a:fontRef>
+        </p:style>
+        <p:txBody>
+          <a:bodyPr rtlCol="0" anchor="ctr"/>
+          <a:lstStyle/>
+          <a:p>
+            <a:pPr algn="ctr"/>
+            <a:r>
+              <a:rPr lang="en-US" sz="1200" b="1" u="sng" dirty="0">
+                <a:solidFill>
+                  <a:schemeClr val="tx1"/>
+                </a:solidFill>
+              </a:rPr>
+              <a:t>Edison04</a:t>
+            </a:r>
+          </a:p>
+          <a:p>
+            <a:pPr algn="ctr"/>
+            <a:r>
+              <a:rPr lang="en-US" sz="1200" dirty="0">
+                <a:solidFill>
+                  <a:schemeClr val="tx1"/>
+                </a:solidFill>
+              </a:rPr>
+              <a:t>Has:</a:t>
+            </a:r>
+          </a:p>
+          <a:p>
+            <a:pPr algn="ctr"/>
+            <a:r>
+              <a:rPr lang="en-US" sz="1200" dirty="0">
+                <a:solidFill>
+                  <a:schemeClr val="tx1"/>
+                </a:solidFill>
+              </a:rPr>
+              <a:t>Wants: Button, Light</a:t>
+            </a:r>
+          </a:p>
+        </p:txBody>
+      </p:sp>
+      <p:sp>
+        <p:nvSpPr>
+          <p:cNvPr id="19" name="Oval 18"/>
+          <p:cNvSpPr/>
+          <p:nvPr/>
+        </p:nvSpPr>
+        <p:spPr>
+          <a:xfrm>
+            <a:off x="8181367" y="2274420"/>
+            <a:ext cx="1242812" cy="1188754"/>
+          </a:xfrm>
+          <a:prstGeom prst="ellipse">
+            <a:avLst/>
+          </a:prstGeom>
+          <a:solidFill>
+            <a:schemeClr val="bg1"/>
+          </a:solidFill>
+        </p:spPr>
+        <p:style>
+          <a:lnRef idx="2">
+            <a:schemeClr val="accent1">
+              <a:shade val="50000"/>
+            </a:schemeClr>
+          </a:lnRef>
+          <a:fillRef idx="1">
+            <a:schemeClr val="accent1"/>
+          </a:fillRef>
+          <a:effectRef idx="0">
+            <a:schemeClr val="accent1"/>
+          </a:effectRef>
+          <a:fontRef idx="minor">
+            <a:schemeClr val="lt1"/>
+          </a:fontRef>
+        </p:style>
+        <p:txBody>
+          <a:bodyPr rtlCol="0" anchor="ctr"/>
+          <a:lstStyle/>
+          <a:p>
+            <a:pPr algn="ctr"/>
+            <a:r>
+              <a:rPr lang="en-US" sz="1200" b="1" u="sng" dirty="0">
+                <a:solidFill>
+                  <a:schemeClr val="tx1"/>
+                </a:solidFill>
+              </a:rPr>
+              <a:t>Edison05</a:t>
+            </a:r>
+          </a:p>
+          <a:p>
+            <a:pPr algn="ctr"/>
+            <a:r>
+              <a:rPr lang="en-US" sz="1200" dirty="0">
+                <a:solidFill>
+                  <a:schemeClr val="tx1"/>
+                </a:solidFill>
+              </a:rPr>
+              <a:t>Has:</a:t>
+            </a:r>
+          </a:p>
+          <a:p>
+            <a:pPr algn="ctr"/>
+            <a:r>
+              <a:rPr lang="en-US" sz="1200" dirty="0">
+                <a:solidFill>
+                  <a:schemeClr val="tx1"/>
+                </a:solidFill>
+              </a:rPr>
+              <a:t>Wants: Button, Light</a:t>
+            </a:r>
+          </a:p>
+        </p:txBody>
+      </p:sp>
+      <p:sp>
+        <p:nvSpPr>
+          <p:cNvPr id="20" name="Oval 19"/>
+          <p:cNvSpPr/>
+          <p:nvPr/>
+        </p:nvSpPr>
+        <p:spPr>
+          <a:xfrm>
+            <a:off x="8120917" y="5354031"/>
+            <a:ext cx="1295826" cy="1233219"/>
+          </a:xfrm>
+          <a:prstGeom prst="ellipse">
+            <a:avLst/>
+          </a:prstGeom>
+          <a:solidFill>
+            <a:schemeClr val="bg1"/>
+          </a:solidFill>
+        </p:spPr>
+        <p:style>
+          <a:lnRef idx="2">
+            <a:schemeClr val="accent1">
+              <a:shade val="50000"/>
+            </a:schemeClr>
+          </a:lnRef>
+          <a:fillRef idx="1">
+            <a:schemeClr val="accent1"/>
+          </a:fillRef>
+          <a:effectRef idx="0">
+            <a:schemeClr val="accent1"/>
+          </a:effectRef>
+          <a:fontRef idx="minor">
+            <a:schemeClr val="lt1"/>
+          </a:fontRef>
+        </p:style>
+        <p:txBody>
+          <a:bodyPr rtlCol="0" anchor="ctr"/>
+          <a:lstStyle/>
+          <a:p>
+            <a:pPr algn="ctr"/>
+            <a:r>
+              <a:rPr lang="en-US" sz="1200" b="1" u="sng" dirty="0">
+                <a:solidFill>
+                  <a:schemeClr val="tx1"/>
+                </a:solidFill>
+              </a:rPr>
+              <a:t>Edison06</a:t>
+            </a:r>
+          </a:p>
+          <a:p>
+            <a:pPr algn="ctr"/>
+            <a:r>
+              <a:rPr lang="en-US" sz="1200" dirty="0">
+                <a:solidFill>
+                  <a:schemeClr val="tx1"/>
+                </a:solidFill>
+              </a:rPr>
+              <a:t>Has:</a:t>
+            </a:r>
+          </a:p>
+          <a:p>
+            <a:pPr algn="ctr"/>
+            <a:r>
+              <a:rPr lang="en-US" sz="1200" dirty="0">
+                <a:solidFill>
+                  <a:schemeClr val="tx1"/>
+                </a:solidFill>
+              </a:rPr>
+              <a:t>Wants: Button, Light</a:t>
+            </a:r>
+          </a:p>
+        </p:txBody>
+      </p:sp>
+      <p:sp>
+        <p:nvSpPr>
+          <p:cNvPr id="21" name="TextBox 20"/>
+          <p:cNvSpPr txBox="1"/>
+          <p:nvPr/>
+        </p:nvSpPr>
+        <p:spPr>
+          <a:xfrm>
+            <a:off x="7665506" y="1748122"/>
+            <a:ext cx="2274534" cy="369332"/>
+          </a:xfrm>
+          <a:prstGeom prst="rect">
+            <a:avLst/>
+          </a:prstGeom>
+          <a:noFill/>
+        </p:spPr>
+        <p:txBody>
+          <a:bodyPr wrap="square" rtlCol="0">
+            <a:spAutoFit/>
+          </a:bodyPr>
+          <a:lstStyle/>
+          <a:p>
+            <a:pPr algn="ctr"/>
+            <a:r>
+              <a:rPr lang="en-US" b="1" u="sng" dirty="0"/>
+              <a:t>Before</a:t>
+            </a:r>
+          </a:p>
+        </p:txBody>
+      </p:sp>
+      <p:cxnSp>
+        <p:nvCxnSpPr>
+          <p:cNvPr id="23" name="Straight Arrow Connector 22"/>
+          <p:cNvCxnSpPr>
+            <a:stCxn id="14" idx="0"/>
+            <a:endCxn id="8" idx="0"/>
+          </p:cNvCxnSpPr>
+          <p:nvPr/>
+        </p:nvCxnSpPr>
+        <p:spPr>
+          <a:xfrm>
+            <a:off x="7184542" y="3791969"/>
+            <a:ext cx="1588822" cy="8661"/>
+          </a:xfrm>
+          <a:prstGeom prst="straightConnector1">
+            <a:avLst/>
+          </a:prstGeom>
+          <a:ln w="38100">
+            <a:solidFill>
+              <a:schemeClr val="tx1"/>
+            </a:solidFill>
+            <a:tailEnd type="triangle"/>
+          </a:ln>
+        </p:spPr>
+        <p:style>
+          <a:lnRef idx="1">
+            <a:schemeClr val="accent1"/>
+          </a:lnRef>
+          <a:fillRef idx="0">
+            <a:schemeClr val="accent1"/>
+          </a:fillRef>
+          <a:effectRef idx="0">
+            <a:schemeClr val="accent1"/>
+          </a:effectRef>
+          <a:fontRef idx="minor">
+            <a:schemeClr val="tx1"/>
+          </a:fontRef>
+        </p:style>
+      </p:cxnSp>
+      <p:cxnSp>
+        <p:nvCxnSpPr>
+          <p:cNvPr id="25" name="Straight Arrow Connector 24"/>
+          <p:cNvCxnSpPr>
+            <a:stCxn id="19" idx="6"/>
+            <a:endCxn id="8" idx="6"/>
+          </p:cNvCxnSpPr>
+          <p:nvPr/>
+        </p:nvCxnSpPr>
+        <p:spPr>
+          <a:xfrm>
+            <a:off x="9424179" y="2868797"/>
+            <a:ext cx="0" cy="1554941"/>
+          </a:xfrm>
+          <a:prstGeom prst="straightConnector1">
+            <a:avLst/>
+          </a:prstGeom>
+          <a:ln w="38100">
+            <a:solidFill>
+              <a:schemeClr val="tx1"/>
+            </a:solidFill>
+            <a:tailEnd type="triangle"/>
+          </a:ln>
+        </p:spPr>
+        <p:style>
+          <a:lnRef idx="1">
+            <a:schemeClr val="dk1"/>
+          </a:lnRef>
+          <a:fillRef idx="0">
+            <a:schemeClr val="dk1"/>
+          </a:fillRef>
+          <a:effectRef idx="0">
+            <a:schemeClr val="dk1"/>
+          </a:effectRef>
+          <a:fontRef idx="minor">
+            <a:schemeClr val="tx1"/>
+          </a:fontRef>
+        </p:style>
+      </p:cxnSp>
+      <p:cxnSp>
+        <p:nvCxnSpPr>
+          <p:cNvPr id="31" name="Straight Arrow Connector 30"/>
+          <p:cNvCxnSpPr>
+            <a:stCxn id="18" idx="4"/>
+            <a:endCxn id="8" idx="4"/>
+          </p:cNvCxnSpPr>
+          <p:nvPr/>
+        </p:nvCxnSpPr>
+        <p:spPr>
+          <a:xfrm flipH="1">
+            <a:off x="8773364" y="5046846"/>
+            <a:ext cx="1639595" cy="0"/>
+          </a:xfrm>
+          <a:prstGeom prst="straightConnector1">
+            <a:avLst/>
+          </a:prstGeom>
+          <a:ln w="38100">
+            <a:solidFill>
+              <a:schemeClr val="tx1"/>
+            </a:solidFill>
+            <a:tailEnd type="triangle"/>
+          </a:ln>
+        </p:spPr>
+        <p:style>
+          <a:lnRef idx="1">
+            <a:schemeClr val="accent1"/>
+          </a:lnRef>
+          <a:fillRef idx="0">
+            <a:schemeClr val="accent1"/>
+          </a:fillRef>
+          <a:effectRef idx="0">
+            <a:schemeClr val="accent1"/>
+          </a:effectRef>
+          <a:fontRef idx="minor">
+            <a:schemeClr val="tx1"/>
+          </a:fontRef>
+        </p:style>
+      </p:cxnSp>
+      <p:cxnSp>
+        <p:nvCxnSpPr>
+          <p:cNvPr id="33" name="Straight Arrow Connector 32"/>
+          <p:cNvCxnSpPr>
+            <a:stCxn id="20" idx="2"/>
+            <a:endCxn id="8" idx="2"/>
+          </p:cNvCxnSpPr>
+          <p:nvPr/>
+        </p:nvCxnSpPr>
+        <p:spPr>
+          <a:xfrm flipV="1">
+            <a:off x="8120917" y="4423738"/>
+            <a:ext cx="1632" cy="1546903"/>
+          </a:xfrm>
+          <a:prstGeom prst="straightConnector1">
+            <a:avLst/>
+          </a:prstGeom>
+          <a:ln w="38100">
+            <a:solidFill>
+              <a:schemeClr val="tx1"/>
+            </a:solidFill>
+            <a:tailEnd type="triangle"/>
+          </a:ln>
+        </p:spPr>
+        <p:style>
+          <a:lnRef idx="1">
+            <a:schemeClr val="accent1"/>
+          </a:lnRef>
+          <a:fillRef idx="0">
+            <a:schemeClr val="accent1"/>
+          </a:fillRef>
+          <a:effectRef idx="0">
+            <a:schemeClr val="accent1"/>
+          </a:effectRef>
+          <a:fontRef idx="minor">
+            <a:schemeClr val="tx1"/>
+          </a:fontRef>
+        </p:style>
+      </p:cxnSp>
+    </p:spTree>
+    <p:extLst>
+      <p:ext uri="{BB962C8B-B14F-4D97-AF65-F5344CB8AC3E}">
+        <p14:creationId xmlns:p14="http://schemas.microsoft.com/office/powerpoint/2010/main" val="1393248773"/>
+      </p:ext>
+    </p:extLst>
+  </p:cSld>
+  <p:clrMapOvr>
+    <a:masterClrMapping/>
+  </p:clrMapOvr>
+</p:sld>
+</file>
+
+<file path=ppt/slides/slide7.xml><?xml version="1.0" encoding="utf-8"?>
+<p:sld xmlns:a="http://schemas.openxmlformats.org/drawingml/2006/main" xmlns:r="http://schemas.openxmlformats.org/officeDocument/2006/relationships" xmlns:p="http://schemas.openxmlformats.org/presentationml/2006/main">
+  <p:cSld>
+    <p:spTree>
+      <p:nvGrpSpPr>
+        <p:cNvPr id="1" name=""/>
+        <p:cNvGrpSpPr/>
+        <p:nvPr/>
+      </p:nvGrpSpPr>
+      <p:grpSpPr>
+        <a:xfrm>
+          <a:off x="0" y="0"/>
+          <a:ext cx="0" cy="0"/>
+          <a:chOff x="0" y="0"/>
+          <a:chExt cx="0" cy="0"/>
+        </a:xfrm>
+      </p:grpSpPr>
+      <p:sp>
+        <p:nvSpPr>
+          <p:cNvPr id="2" name="Title 1"/>
+          <p:cNvSpPr>
+            <a:spLocks noGrp="1"/>
+          </p:cNvSpPr>
+          <p:nvPr>
+            <p:ph type="title"/>
+          </p:nvPr>
+        </p:nvSpPr>
+        <p:spPr/>
+        <p:txBody>
+          <a:bodyPr/>
+          <a:lstStyle/>
+          <a:p>
+            <a:r>
+              <a:rPr lang="en-US" dirty="0"/>
+              <a:t>After Edison02 Joins</a:t>
+            </a:r>
+          </a:p>
+        </p:txBody>
+      </p:sp>
+      <p:sp>
+        <p:nvSpPr>
+          <p:cNvPr id="4" name="Oval 3"/>
+          <p:cNvSpPr/>
+          <p:nvPr/>
+        </p:nvSpPr>
+        <p:spPr>
+          <a:xfrm>
+            <a:off x="4839274" y="2155032"/>
+            <a:ext cx="1301630" cy="1246216"/>
+          </a:xfrm>
+          <a:prstGeom prst="ellipse">
+            <a:avLst/>
+          </a:prstGeom>
+          <a:solidFill>
+            <a:schemeClr val="bg1"/>
+          </a:solidFill>
+        </p:spPr>
+        <p:style>
+          <a:lnRef idx="2">
+            <a:schemeClr val="accent1">
+              <a:shade val="50000"/>
+            </a:schemeClr>
+          </a:lnRef>
+          <a:fillRef idx="1">
+            <a:schemeClr val="accent1"/>
+          </a:fillRef>
+          <a:effectRef idx="0">
+            <a:schemeClr val="accent1"/>
+          </a:effectRef>
+          <a:fontRef idx="minor">
+            <a:schemeClr val="lt1"/>
+          </a:fontRef>
+        </p:style>
+        <p:txBody>
+          <a:bodyPr rtlCol="0" anchor="ctr"/>
+          <a:lstStyle/>
+          <a:p>
+            <a:pPr algn="ctr"/>
+            <a:r>
+              <a:rPr lang="en-US" sz="1200" b="1" u="sng" dirty="0">
+                <a:solidFill>
+                  <a:schemeClr val="tx1"/>
+                </a:solidFill>
+              </a:rPr>
+              <a:t>Edison03</a:t>
+            </a:r>
+          </a:p>
+          <a:p>
+            <a:pPr algn="ctr"/>
+            <a:r>
+              <a:rPr lang="en-US" sz="1200" dirty="0">
+                <a:solidFill>
+                  <a:schemeClr val="tx1"/>
+                </a:solidFill>
+              </a:rPr>
+              <a:t>Has: Button </a:t>
+            </a:r>
+          </a:p>
+          <a:p>
+            <a:pPr algn="ctr"/>
+            <a:r>
+              <a:rPr lang="en-US" sz="1200" dirty="0">
+                <a:solidFill>
+                  <a:schemeClr val="tx1"/>
+                </a:solidFill>
+              </a:rPr>
+              <a:t>Wants: Light</a:t>
+            </a:r>
+          </a:p>
+        </p:txBody>
+      </p:sp>
+      <p:sp>
+        <p:nvSpPr>
+          <p:cNvPr id="5" name="Oval 4"/>
+          <p:cNvSpPr/>
+          <p:nvPr/>
+        </p:nvSpPr>
+        <p:spPr>
+          <a:xfrm>
+            <a:off x="2756490" y="2985570"/>
+            <a:ext cx="1298448" cy="1240647"/>
+          </a:xfrm>
+          <a:prstGeom prst="ellipse">
+            <a:avLst/>
+          </a:prstGeom>
+          <a:solidFill>
+            <a:schemeClr val="bg1"/>
+          </a:solidFill>
+        </p:spPr>
+        <p:style>
+          <a:lnRef idx="2">
+            <a:schemeClr val="accent1">
+              <a:shade val="50000"/>
+            </a:schemeClr>
+          </a:lnRef>
+          <a:fillRef idx="1">
+            <a:schemeClr val="accent1"/>
+          </a:fillRef>
+          <a:effectRef idx="0">
+            <a:schemeClr val="accent1"/>
+          </a:effectRef>
+          <a:fontRef idx="minor">
+            <a:schemeClr val="lt1"/>
+          </a:fontRef>
+        </p:style>
+        <p:txBody>
+          <a:bodyPr rtlCol="0" anchor="ctr"/>
+          <a:lstStyle/>
+          <a:p>
+            <a:pPr algn="ctr"/>
+            <a:r>
+              <a:rPr lang="en-US" sz="1200" b="1" u="sng" dirty="0">
+                <a:solidFill>
+                  <a:schemeClr val="tx1"/>
+                </a:solidFill>
+              </a:rPr>
+              <a:t>Edison01</a:t>
+            </a:r>
+          </a:p>
+          <a:p>
+            <a:pPr algn="ctr"/>
+            <a:r>
+              <a:rPr lang="en-US" sz="1200" dirty="0">
+                <a:solidFill>
+                  <a:schemeClr val="tx1"/>
+                </a:solidFill>
+              </a:rPr>
+              <a:t>Has:</a:t>
+            </a:r>
+          </a:p>
+          <a:p>
+            <a:pPr algn="ctr"/>
+            <a:r>
+              <a:rPr lang="en-US" sz="1200" dirty="0">
+                <a:solidFill>
+                  <a:schemeClr val="tx1"/>
+                </a:solidFill>
+              </a:rPr>
+              <a:t>Wants: Button, Light</a:t>
+            </a:r>
+          </a:p>
+        </p:txBody>
+      </p:sp>
+      <p:sp>
+        <p:nvSpPr>
+          <p:cNvPr id="6" name="Oval 5"/>
+          <p:cNvSpPr/>
+          <p:nvPr/>
+        </p:nvSpPr>
+        <p:spPr>
+          <a:xfrm>
+            <a:off x="6480870" y="3914286"/>
+            <a:ext cx="1298448" cy="1243584"/>
+          </a:xfrm>
+          <a:prstGeom prst="ellipse">
+            <a:avLst/>
+          </a:prstGeom>
+          <a:solidFill>
+            <a:schemeClr val="bg1"/>
+          </a:solidFill>
+        </p:spPr>
+        <p:style>
+          <a:lnRef idx="2">
+            <a:schemeClr val="accent1">
+              <a:shade val="50000"/>
+            </a:schemeClr>
+          </a:lnRef>
+          <a:fillRef idx="1">
+            <a:schemeClr val="accent1"/>
+          </a:fillRef>
+          <a:effectRef idx="0">
+            <a:schemeClr val="accent1"/>
+          </a:effectRef>
+          <a:fontRef idx="minor">
+            <a:schemeClr val="lt1"/>
+          </a:fontRef>
+        </p:style>
+        <p:txBody>
+          <a:bodyPr rtlCol="0" anchor="ctr"/>
+          <a:lstStyle/>
+          <a:p>
+            <a:pPr algn="ctr"/>
+            <a:r>
+              <a:rPr lang="en-US" sz="1200" b="1" u="sng" dirty="0">
+                <a:solidFill>
+                  <a:schemeClr val="tx1"/>
+                </a:solidFill>
+              </a:rPr>
+              <a:t>Edison04</a:t>
+            </a:r>
+          </a:p>
+          <a:p>
+            <a:pPr algn="ctr"/>
+            <a:r>
+              <a:rPr lang="en-US" sz="1200" dirty="0">
+                <a:solidFill>
+                  <a:schemeClr val="tx1"/>
+                </a:solidFill>
+              </a:rPr>
+              <a:t>Has:</a:t>
+            </a:r>
+          </a:p>
+          <a:p>
+            <a:pPr algn="ctr"/>
+            <a:r>
+              <a:rPr lang="en-US" sz="1200" dirty="0">
+                <a:solidFill>
+                  <a:schemeClr val="tx1"/>
+                </a:solidFill>
+              </a:rPr>
+              <a:t>Wants: Button, Light</a:t>
+            </a:r>
+          </a:p>
+        </p:txBody>
+      </p:sp>
+      <p:sp>
+        <p:nvSpPr>
+          <p:cNvPr id="7" name="Oval 6"/>
+          <p:cNvSpPr/>
+          <p:nvPr/>
+        </p:nvSpPr>
+        <p:spPr>
+          <a:xfrm>
+            <a:off x="9004635" y="2982633"/>
+            <a:ext cx="1298448" cy="1243584"/>
+          </a:xfrm>
+          <a:prstGeom prst="ellipse">
+            <a:avLst/>
+          </a:prstGeom>
+          <a:solidFill>
+            <a:schemeClr val="bg1"/>
+          </a:solidFill>
+        </p:spPr>
+        <p:style>
+          <a:lnRef idx="2">
+            <a:schemeClr val="accent1">
+              <a:shade val="50000"/>
+            </a:schemeClr>
+          </a:lnRef>
+          <a:fillRef idx="1">
+            <a:schemeClr val="accent1"/>
+          </a:fillRef>
+          <a:effectRef idx="0">
+            <a:schemeClr val="accent1"/>
+          </a:effectRef>
+          <a:fontRef idx="minor">
+            <a:schemeClr val="lt1"/>
+          </a:fontRef>
+        </p:style>
+        <p:txBody>
+          <a:bodyPr rtlCol="0" anchor="ctr"/>
+          <a:lstStyle/>
+          <a:p>
+            <a:pPr algn="ctr"/>
+            <a:r>
+              <a:rPr lang="en-US" sz="1200" b="1" u="sng" dirty="0">
+                <a:solidFill>
+                  <a:schemeClr val="tx1"/>
+                </a:solidFill>
+              </a:rPr>
+              <a:t>Edison05</a:t>
+            </a:r>
+          </a:p>
+          <a:p>
+            <a:pPr algn="ctr"/>
+            <a:r>
+              <a:rPr lang="en-US" sz="1200" dirty="0">
+                <a:solidFill>
+                  <a:schemeClr val="tx1"/>
+                </a:solidFill>
+              </a:rPr>
+              <a:t>Has:</a:t>
+            </a:r>
+          </a:p>
+          <a:p>
+            <a:pPr algn="ctr"/>
+            <a:r>
+              <a:rPr lang="en-US" sz="1200" dirty="0">
+                <a:solidFill>
+                  <a:schemeClr val="tx1"/>
+                </a:solidFill>
+              </a:rPr>
+              <a:t>Wants: Button, Light</a:t>
+            </a:r>
+          </a:p>
+        </p:txBody>
+      </p:sp>
+      <p:sp>
+        <p:nvSpPr>
+          <p:cNvPr id="8" name="Oval 7"/>
+          <p:cNvSpPr/>
+          <p:nvPr/>
+        </p:nvSpPr>
+        <p:spPr>
+          <a:xfrm>
+            <a:off x="4842362" y="3914286"/>
+            <a:ext cx="1295826" cy="1243584"/>
+          </a:xfrm>
+          <a:prstGeom prst="ellipse">
+            <a:avLst/>
+          </a:prstGeom>
+          <a:solidFill>
+            <a:schemeClr val="bg1"/>
+          </a:solidFill>
+        </p:spPr>
+        <p:style>
+          <a:lnRef idx="2">
+            <a:schemeClr val="accent1">
+              <a:shade val="50000"/>
+            </a:schemeClr>
+          </a:lnRef>
+          <a:fillRef idx="1">
+            <a:schemeClr val="accent1"/>
+          </a:fillRef>
+          <a:effectRef idx="0">
+            <a:schemeClr val="accent1"/>
+          </a:effectRef>
+          <a:fontRef idx="minor">
+            <a:schemeClr val="lt1"/>
+          </a:fontRef>
+        </p:style>
+        <p:txBody>
+          <a:bodyPr rtlCol="0" anchor="ctr"/>
+          <a:lstStyle/>
+          <a:p>
+            <a:pPr algn="ctr"/>
+            <a:r>
+              <a:rPr lang="en-US" sz="1200" b="1" u="sng" dirty="0">
+                <a:solidFill>
+                  <a:schemeClr val="tx1"/>
+                </a:solidFill>
+              </a:rPr>
+              <a:t>Edison06</a:t>
+            </a:r>
+          </a:p>
+          <a:p>
+            <a:pPr algn="ctr"/>
+            <a:r>
+              <a:rPr lang="en-US" sz="1200" dirty="0">
+                <a:solidFill>
+                  <a:schemeClr val="tx1"/>
+                </a:solidFill>
+              </a:rPr>
+              <a:t>Has:</a:t>
+            </a:r>
+          </a:p>
+          <a:p>
+            <a:pPr algn="ctr"/>
+            <a:r>
+              <a:rPr lang="en-US" sz="1200" dirty="0">
+                <a:solidFill>
+                  <a:schemeClr val="tx1"/>
+                </a:solidFill>
+              </a:rPr>
+              <a:t>Wants: Button, Light</a:t>
+            </a:r>
+          </a:p>
+        </p:txBody>
+      </p:sp>
+      <p:sp>
+        <p:nvSpPr>
+          <p:cNvPr id="14" name="Oval 13"/>
+          <p:cNvSpPr/>
+          <p:nvPr/>
+        </p:nvSpPr>
+        <p:spPr>
+          <a:xfrm>
+            <a:off x="6480870" y="2155032"/>
+            <a:ext cx="1298448" cy="1246272"/>
+          </a:xfrm>
+          <a:prstGeom prst="ellipse">
+            <a:avLst/>
+          </a:prstGeom>
+          <a:solidFill>
+            <a:schemeClr val="bg1"/>
+          </a:solidFill>
+        </p:spPr>
+        <p:style>
+          <a:lnRef idx="2">
+            <a:schemeClr val="accent1">
+              <a:shade val="50000"/>
+            </a:schemeClr>
+          </a:lnRef>
+          <a:fillRef idx="1">
+            <a:schemeClr val="accent1"/>
+          </a:fillRef>
+          <a:effectRef idx="0">
+            <a:schemeClr val="accent1"/>
+          </a:effectRef>
+          <a:fontRef idx="minor">
+            <a:schemeClr val="lt1"/>
+          </a:fontRef>
+        </p:style>
+        <p:txBody>
+          <a:bodyPr rtlCol="0" anchor="ctr"/>
+          <a:lstStyle/>
+          <a:p>
+            <a:pPr algn="ctr"/>
+            <a:r>
+              <a:rPr lang="en-US" sz="1200" b="1" u="sng" dirty="0">
+                <a:solidFill>
+                  <a:schemeClr val="tx1"/>
+                </a:solidFill>
+              </a:rPr>
+              <a:t>Edison02</a:t>
+            </a:r>
+          </a:p>
+          <a:p>
+            <a:pPr algn="ctr"/>
+            <a:r>
+              <a:rPr lang="en-US" sz="1200" dirty="0">
+                <a:solidFill>
+                  <a:schemeClr val="tx1"/>
+                </a:solidFill>
+              </a:rPr>
+              <a:t>Has: Light </a:t>
+            </a:r>
+          </a:p>
+          <a:p>
+            <a:pPr algn="ctr"/>
+            <a:r>
+              <a:rPr lang="en-US" sz="1200" dirty="0">
+                <a:solidFill>
+                  <a:schemeClr val="tx1"/>
+                </a:solidFill>
+              </a:rPr>
+              <a:t>Wants: Button</a:t>
+            </a:r>
+          </a:p>
+        </p:txBody>
+      </p:sp>
+      <p:cxnSp>
+        <p:nvCxnSpPr>
+          <p:cNvPr id="24" name="Straight Arrow Connector 23"/>
+          <p:cNvCxnSpPr>
+            <a:stCxn id="7" idx="3"/>
+            <a:endCxn id="14" idx="7"/>
+          </p:cNvCxnSpPr>
+          <p:nvPr/>
+        </p:nvCxnSpPr>
+        <p:spPr>
+          <a:xfrm flipH="1" flipV="1">
+            <a:off x="7589165" y="2337544"/>
+            <a:ext cx="1605623" cy="1706554"/>
+          </a:xfrm>
+          <a:prstGeom prst="straightConnector1">
+            <a:avLst/>
+          </a:prstGeom>
+          <a:ln w="9525">
+            <a:solidFill>
+              <a:schemeClr val="tx1"/>
+            </a:solidFill>
+            <a:tailEnd type="triangle"/>
+          </a:ln>
+        </p:spPr>
+        <p:style>
+          <a:lnRef idx="1">
+            <a:schemeClr val="dk1"/>
+          </a:lnRef>
+          <a:fillRef idx="0">
+            <a:schemeClr val="dk1"/>
+          </a:fillRef>
+          <a:effectRef idx="0">
+            <a:schemeClr val="dk1"/>
+          </a:effectRef>
+          <a:fontRef idx="minor">
+            <a:schemeClr val="tx1"/>
+          </a:fontRef>
+        </p:style>
+      </p:cxnSp>
+      <p:cxnSp>
+        <p:nvCxnSpPr>
+          <p:cNvPr id="27" name="Straight Arrow Connector 26"/>
+          <p:cNvCxnSpPr>
+            <a:stCxn id="7" idx="3"/>
+            <a:endCxn id="4" idx="4"/>
+          </p:cNvCxnSpPr>
+          <p:nvPr/>
+        </p:nvCxnSpPr>
+        <p:spPr>
+          <a:xfrm flipH="1" flipV="1">
+            <a:off x="5490089" y="3401248"/>
+            <a:ext cx="3704699" cy="642850"/>
+          </a:xfrm>
+          <a:prstGeom prst="straightConnector1">
+            <a:avLst/>
+          </a:prstGeom>
+          <a:ln w="9525">
+            <a:solidFill>
+              <a:schemeClr val="tx1"/>
+            </a:solidFill>
+            <a:tailEnd type="triangle"/>
+          </a:ln>
+        </p:spPr>
+        <p:style>
+          <a:lnRef idx="1">
+            <a:schemeClr val="dk1"/>
+          </a:lnRef>
+          <a:fillRef idx="0">
+            <a:schemeClr val="dk1"/>
+          </a:fillRef>
+          <a:effectRef idx="0">
+            <a:schemeClr val="dk1"/>
+          </a:effectRef>
+          <a:fontRef idx="minor">
+            <a:schemeClr val="tx1"/>
+          </a:fontRef>
+        </p:style>
+      </p:cxnSp>
+      <p:cxnSp>
+        <p:nvCxnSpPr>
+          <p:cNvPr id="35" name="Straight Arrow Connector 34"/>
+          <p:cNvCxnSpPr>
+            <a:stCxn id="5" idx="5"/>
+            <a:endCxn id="14" idx="4"/>
+          </p:cNvCxnSpPr>
+          <p:nvPr/>
+        </p:nvCxnSpPr>
+        <p:spPr>
+          <a:xfrm flipV="1">
+            <a:off x="3864785" y="3401304"/>
+            <a:ext cx="3265309" cy="643224"/>
+          </a:xfrm>
+          <a:prstGeom prst="straightConnector1">
+            <a:avLst/>
+          </a:prstGeom>
+          <a:ln w="9525">
+            <a:solidFill>
+              <a:schemeClr val="tx1"/>
+            </a:solidFill>
+            <a:tailEnd type="triangle"/>
+          </a:ln>
+        </p:spPr>
+        <p:style>
+          <a:lnRef idx="1">
+            <a:schemeClr val="dk1"/>
+          </a:lnRef>
+          <a:fillRef idx="0">
+            <a:schemeClr val="dk1"/>
+          </a:fillRef>
+          <a:effectRef idx="0">
+            <a:schemeClr val="dk1"/>
+          </a:effectRef>
+          <a:fontRef idx="minor">
+            <a:schemeClr val="tx1"/>
+          </a:fontRef>
+        </p:style>
+      </p:cxnSp>
+      <p:cxnSp>
+        <p:nvCxnSpPr>
+          <p:cNvPr id="40" name="Straight Arrow Connector 39"/>
+          <p:cNvCxnSpPr>
+            <a:stCxn id="8" idx="0"/>
+            <a:endCxn id="4" idx="4"/>
+          </p:cNvCxnSpPr>
+          <p:nvPr/>
+        </p:nvCxnSpPr>
+        <p:spPr>
+          <a:xfrm flipH="1" flipV="1">
+            <a:off x="5490089" y="3401248"/>
+            <a:ext cx="186" cy="513038"/>
+          </a:xfrm>
+          <a:prstGeom prst="straightConnector1">
+            <a:avLst/>
+          </a:prstGeom>
+          <a:ln w="9525">
+            <a:solidFill>
+              <a:schemeClr val="tx1"/>
+            </a:solidFill>
+            <a:tailEnd type="triangle"/>
+          </a:ln>
+        </p:spPr>
+        <p:style>
+          <a:lnRef idx="1">
+            <a:schemeClr val="dk1"/>
+          </a:lnRef>
+          <a:fillRef idx="0">
+            <a:schemeClr val="dk1"/>
+          </a:fillRef>
+          <a:effectRef idx="0">
+            <a:schemeClr val="dk1"/>
+          </a:effectRef>
+          <a:fontRef idx="minor">
+            <a:schemeClr val="tx1"/>
+          </a:fontRef>
+        </p:style>
+      </p:cxnSp>
+      <p:cxnSp>
+        <p:nvCxnSpPr>
+          <p:cNvPr id="44" name="Straight Arrow Connector 43"/>
+          <p:cNvCxnSpPr>
+            <a:stCxn id="8" idx="0"/>
+            <a:endCxn id="14" idx="4"/>
+          </p:cNvCxnSpPr>
+          <p:nvPr/>
+        </p:nvCxnSpPr>
+        <p:spPr>
+          <a:xfrm flipV="1">
+            <a:off x="5490275" y="3401304"/>
+            <a:ext cx="1639819" cy="512982"/>
+          </a:xfrm>
+          <a:prstGeom prst="straightConnector1">
+            <a:avLst/>
+          </a:prstGeom>
+          <a:ln w="9525">
+            <a:solidFill>
+              <a:schemeClr val="tx1"/>
+            </a:solidFill>
+            <a:tailEnd type="triangle"/>
+          </a:ln>
+        </p:spPr>
+        <p:style>
+          <a:lnRef idx="1">
+            <a:schemeClr val="dk1"/>
+          </a:lnRef>
+          <a:fillRef idx="0">
+            <a:schemeClr val="dk1"/>
+          </a:fillRef>
+          <a:effectRef idx="0">
+            <a:schemeClr val="dk1"/>
+          </a:effectRef>
+          <a:fontRef idx="minor">
+            <a:schemeClr val="tx1"/>
+          </a:fontRef>
+        </p:style>
+      </p:cxnSp>
+      <p:cxnSp>
+        <p:nvCxnSpPr>
+          <p:cNvPr id="47" name="Straight Arrow Connector 46"/>
+          <p:cNvCxnSpPr>
+            <a:stCxn id="6" idx="0"/>
+            <a:endCxn id="14" idx="4"/>
+          </p:cNvCxnSpPr>
+          <p:nvPr/>
+        </p:nvCxnSpPr>
+        <p:spPr>
+          <a:xfrm flipV="1">
+            <a:off x="7130094" y="3401304"/>
+            <a:ext cx="0" cy="512982"/>
+          </a:xfrm>
+          <a:prstGeom prst="straightConnector1">
+            <a:avLst/>
+          </a:prstGeom>
+          <a:ln w="9525">
+            <a:solidFill>
+              <a:schemeClr val="tx1"/>
+            </a:solidFill>
+            <a:tailEnd type="triangle"/>
+          </a:ln>
+        </p:spPr>
+        <p:style>
+          <a:lnRef idx="1">
+            <a:schemeClr val="dk1"/>
+          </a:lnRef>
+          <a:fillRef idx="0">
+            <a:schemeClr val="dk1"/>
+          </a:fillRef>
+          <a:effectRef idx="0">
+            <a:schemeClr val="dk1"/>
+          </a:effectRef>
+          <a:fontRef idx="minor">
+            <a:schemeClr val="tx1"/>
+          </a:fontRef>
+        </p:style>
+      </p:cxnSp>
+      <p:cxnSp>
+        <p:nvCxnSpPr>
+          <p:cNvPr id="50" name="Straight Arrow Connector 49"/>
+          <p:cNvCxnSpPr>
+            <a:stCxn id="6" idx="0"/>
+            <a:endCxn id="4" idx="4"/>
+          </p:cNvCxnSpPr>
+          <p:nvPr/>
+        </p:nvCxnSpPr>
+        <p:spPr>
+          <a:xfrm flipH="1" flipV="1">
+            <a:off x="5490089" y="3401248"/>
+            <a:ext cx="1640005" cy="513038"/>
+          </a:xfrm>
+          <a:prstGeom prst="straightConnector1">
+            <a:avLst/>
+          </a:prstGeom>
+          <a:ln w="9525">
+            <a:solidFill>
+              <a:schemeClr val="tx1"/>
+            </a:solidFill>
+            <a:tailEnd type="triangle"/>
+          </a:ln>
+        </p:spPr>
+        <p:style>
+          <a:lnRef idx="1">
+            <a:schemeClr val="dk1"/>
+          </a:lnRef>
+          <a:fillRef idx="0">
+            <a:schemeClr val="dk1"/>
+          </a:fillRef>
+          <a:effectRef idx="0">
+            <a:schemeClr val="dk1"/>
+          </a:effectRef>
+          <a:fontRef idx="minor">
+            <a:schemeClr val="tx1"/>
+          </a:fontRef>
+        </p:style>
+      </p:cxnSp>
+      <p:cxnSp>
+        <p:nvCxnSpPr>
+          <p:cNvPr id="67" name="Straight Arrow Connector 66"/>
+          <p:cNvCxnSpPr>
+            <a:stCxn id="5" idx="5"/>
+            <a:endCxn id="4" idx="1"/>
+          </p:cNvCxnSpPr>
+          <p:nvPr/>
+        </p:nvCxnSpPr>
+        <p:spPr>
+          <a:xfrm flipV="1">
+            <a:off x="3864785" y="2337536"/>
+            <a:ext cx="1165108" cy="1706992"/>
+          </a:xfrm>
+          <a:prstGeom prst="straightConnector1">
+            <a:avLst/>
+          </a:prstGeom>
+          <a:ln w="6350">
+            <a:solidFill>
+              <a:schemeClr val="tx1"/>
+            </a:solidFill>
+            <a:tailEnd type="triangle"/>
+          </a:ln>
+        </p:spPr>
+        <p:style>
+          <a:lnRef idx="1">
+            <a:schemeClr val="dk1"/>
+          </a:lnRef>
+          <a:fillRef idx="0">
+            <a:schemeClr val="dk1"/>
+          </a:fillRef>
+          <a:effectRef idx="0">
+            <a:schemeClr val="dk1"/>
+          </a:effectRef>
+          <a:fontRef idx="minor">
+            <a:schemeClr val="tx1"/>
+          </a:fontRef>
+        </p:style>
+      </p:cxnSp>
+    </p:spTree>
+    <p:extLst>
+      <p:ext uri="{BB962C8B-B14F-4D97-AF65-F5344CB8AC3E}">
+        <p14:creationId xmlns:p14="http://schemas.microsoft.com/office/powerpoint/2010/main" val="1337823866"/>
+      </p:ext>
+    </p:extLst>
+  </p:cSld>
+  <p:clrMapOvr>
+    <a:masterClrMapping/>
+  </p:clrMapOvr>
+</p:sld>
+</file>
+
+<file path=ppt/slides/slide8.xml><?xml version="1.0" encoding="utf-8"?>
+<p:sld xmlns:a="http://schemas.openxmlformats.org/drawingml/2006/main" xmlns:r="http://schemas.openxmlformats.org/officeDocument/2006/relationships" xmlns:p="http://schemas.openxmlformats.org/presentationml/2006/main">
+  <p:cSld>
+    <p:spTree>
+      <p:nvGrpSpPr>
+        <p:cNvPr id="1" name=""/>
+        <p:cNvGrpSpPr/>
+        <p:nvPr/>
+      </p:nvGrpSpPr>
+      <p:grpSpPr>
+        <a:xfrm>
+          <a:off x="0" y="0"/>
+          <a:ext cx="0" cy="0"/>
+          <a:chOff x="0" y="0"/>
+          <a:chExt cx="0" cy="0"/>
+        </a:xfrm>
+      </p:grpSpPr>
+      <p:sp>
+        <p:nvSpPr>
+          <p:cNvPr id="2" name="Title 1"/>
+          <p:cNvSpPr>
+            <a:spLocks noGrp="1"/>
+          </p:cNvSpPr>
+          <p:nvPr>
+            <p:ph type="title"/>
+          </p:nvPr>
+        </p:nvSpPr>
+        <p:spPr/>
+        <p:txBody>
+          <a:bodyPr/>
+          <a:lstStyle/>
+          <a:p>
+            <a:r>
+              <a:rPr lang="en-US" dirty="0"/>
               <a:t>Problems</a:t>
             </a:r>
           </a:p>
@@ -5368,25 +7038,6 @@
         <p:txBody>
           <a:bodyPr/>
           <a:lstStyle/>
-          <a:p>
-            <a:r>
-              <a:rPr lang="en-US" dirty="0"/>
-              <a:t>Node.JS waits for a socket buffer to fill before flushing.</a:t>
-            </a:r>
-          </a:p>
-          <a:p>
-            <a:pPr lvl="1"/>
-            <a:r>
-              <a:rPr lang="en-US" dirty="0"/>
-              <a:t>No manual way to flush a socket buffer</a:t>
-            </a:r>
-          </a:p>
-          <a:p>
-            <a:r>
-              <a:rPr lang="en-US" dirty="0"/>
-              <a:t>Devices can’t automatically reconnect after they lose connection.</a:t>
-            </a:r>
-          </a:p>
           <a:p>
             <a:r>
               <a:rPr lang="en-US" dirty="0"/>
@@ -5411,7 +7062,7 @@
 </p:sld>
 </file>
 
-<file path=ppt/slides/slide7.xml><?xml version="1.0" encoding="utf-8"?>
+<file path=ppt/slides/slide9.xml><?xml version="1.0" encoding="utf-8"?>
 <p:sld xmlns:a="http://schemas.openxmlformats.org/drawingml/2006/main" xmlns:r="http://schemas.openxmlformats.org/officeDocument/2006/relationships" xmlns:p="http://schemas.openxmlformats.org/presentationml/2006/main">
   <p:cSld>
     <p:spTree>

--- a/node network.pptx
+++ b/node network.pptx
@@ -6,14 +6,13 @@
   </p:sldMasterIdLst>
   <p:sldIdLst>
     <p:sldId id="256" r:id="rId2"/>
-    <p:sldId id="257" r:id="rId3"/>
-    <p:sldId id="258" r:id="rId4"/>
-    <p:sldId id="259" r:id="rId5"/>
-    <p:sldId id="260" r:id="rId6"/>
-    <p:sldId id="263" r:id="rId7"/>
-    <p:sldId id="264" r:id="rId8"/>
-    <p:sldId id="261" r:id="rId9"/>
-    <p:sldId id="262" r:id="rId10"/>
+    <p:sldId id="258" r:id="rId3"/>
+    <p:sldId id="259" r:id="rId4"/>
+    <p:sldId id="260" r:id="rId5"/>
+    <p:sldId id="263" r:id="rId6"/>
+    <p:sldId id="264" r:id="rId7"/>
+    <p:sldId id="261" r:id="rId8"/>
+    <p:sldId id="262" r:id="rId9"/>
   </p:sldIdLst>
   <p:sldSz cx="12192000" cy="6858000"/>
   <p:notesSz cx="6858000" cy="9144000"/>
@@ -3026,206 +3025,6 @@
 </file>
 
 <file path=ppt/slides/slide2.xml><?xml version="1.0" encoding="utf-8"?>
-<p:sld xmlns:a="http://schemas.openxmlformats.org/drawingml/2006/main" xmlns:r="http://schemas.openxmlformats.org/officeDocument/2006/relationships" xmlns:p="http://schemas.openxmlformats.org/presentationml/2006/main">
-  <p:cSld>
-    <p:spTree>
-      <p:nvGrpSpPr>
-        <p:cNvPr id="1" name=""/>
-        <p:cNvGrpSpPr/>
-        <p:nvPr/>
-      </p:nvGrpSpPr>
-      <p:grpSpPr>
-        <a:xfrm>
-          <a:off x="0" y="0"/>
-          <a:ext cx="0" cy="0"/>
-          <a:chOff x="0" y="0"/>
-          <a:chExt cx="0" cy="0"/>
-        </a:xfrm>
-      </p:grpSpPr>
-      <p:sp>
-        <p:nvSpPr>
-          <p:cNvPr id="10" name="Rectangle 9"/>
-          <p:cNvSpPr>
-            <a:spLocks noGrp="1" noRot="1" noChangeAspect="1" noMove="1" noResize="1" noEditPoints="1" noAdjustHandles="1" noChangeArrowheads="1" noChangeShapeType="1" noTextEdit="1"/>
-          </p:cNvSpPr>
-          <p:nvPr>
-            <p:extLst>
-              <p:ext uri="{386F3935-93C4-4BCD-93E2-E3B085C9AB24}">
-                <p16:designElem xmlns:p16="http://schemas.microsoft.com/office/powerpoint/2015/main" val="1"/>
-              </p:ext>
-            </p:extLst>
-          </p:nvPr>
-        </p:nvSpPr>
-        <p:spPr bwMode="white">
-          <a:xfrm>
-            <a:off x="0" y="0"/>
-            <a:ext cx="12192000" cy="6858000"/>
-          </a:xfrm>
-          <a:prstGeom prst="rect">
-            <a:avLst/>
-          </a:prstGeom>
-          <a:solidFill>
-            <a:schemeClr val="bg1"/>
-          </a:solidFill>
-          <a:ln>
-            <a:noFill/>
-          </a:ln>
-          <a:effectLst/>
-        </p:spPr>
-      </p:sp>
-      <p:sp>
-        <p:nvSpPr>
-          <p:cNvPr id="12" name="Rectangle 11"/>
-          <p:cNvSpPr>
-            <a:spLocks noGrp="1" noRot="1" noChangeAspect="1" noMove="1" noResize="1" noEditPoints="1" noAdjustHandles="1" noChangeArrowheads="1" noChangeShapeType="1" noTextEdit="1"/>
-          </p:cNvSpPr>
-          <p:nvPr>
-            <p:extLst>
-              <p:ext uri="{386F3935-93C4-4BCD-93E2-E3B085C9AB24}">
-                <p16:designElem xmlns:p16="http://schemas.microsoft.com/office/powerpoint/2015/main" val="1"/>
-              </p:ext>
-            </p:extLst>
-          </p:nvPr>
-        </p:nvSpPr>
-        <p:spPr bwMode="white">
-          <a:xfrm>
-            <a:off x="1" y="3764612"/>
-            <a:ext cx="5442280" cy="2256211"/>
-          </a:xfrm>
-          <a:prstGeom prst="rect">
-            <a:avLst/>
-          </a:prstGeom>
-          <a:solidFill>
-            <a:schemeClr val="bg1">
-              <a:alpha val="85000"/>
-            </a:schemeClr>
-          </a:solidFill>
-          <a:ln>
-            <a:noFill/>
-          </a:ln>
-        </p:spPr>
-        <p:style>
-          <a:lnRef idx="2">
-            <a:schemeClr val="accent1">
-              <a:shade val="50000"/>
-            </a:schemeClr>
-          </a:lnRef>
-          <a:fillRef idx="1">
-            <a:schemeClr val="accent1"/>
-          </a:fillRef>
-          <a:effectRef idx="0">
-            <a:schemeClr val="accent1"/>
-          </a:effectRef>
-          <a:fontRef idx="minor">
-            <a:schemeClr val="lt1"/>
-          </a:fontRef>
-        </p:style>
-        <p:txBody>
-          <a:bodyPr rtlCol="0" anchor="ctr"/>
-          <a:lstStyle/>
-          <a:p>
-            <a:pPr marL="0" marR="0" lvl="0" indent="0" algn="ctr" defTabSz="914400" rtl="0" eaLnBrk="1" fontAlgn="auto" latinLnBrk="0" hangingPunct="1">
-              <a:lnSpc>
-                <a:spcPct val="100000"/>
-              </a:lnSpc>
-              <a:spcBef>
-                <a:spcPts val="0"/>
-              </a:spcBef>
-              <a:spcAft>
-                <a:spcPts val="0"/>
-              </a:spcAft>
-              <a:buClrTx/>
-              <a:buSzTx/>
-              <a:buFontTx/>
-              <a:buNone/>
-              <a:tabLst/>
-              <a:defRPr/>
-            </a:pPr>
-            <a:endParaRPr kumimoji="0" lang="en-US" sz="1800" b="0" i="0" u="none" strike="noStrike" kern="1200" cap="none" spc="0" normalizeH="0" baseline="0" noProof="0">
-              <a:ln>
-                <a:noFill/>
-              </a:ln>
-              <a:solidFill>
-                <a:prstClr val="white"/>
-              </a:solidFill>
-              <a:effectLst/>
-              <a:uLnTx/>
-              <a:uFillTx/>
-              <a:latin typeface="Calibri" panose="020F0502020204030204"/>
-              <a:ea typeface="+mn-ea"/>
-              <a:cs typeface="+mn-cs"/>
-            </a:endParaRPr>
-          </a:p>
-        </p:txBody>
-      </p:sp>
-      <p:sp>
-        <p:nvSpPr>
-          <p:cNvPr id="2" name="Title 1"/>
-          <p:cNvSpPr>
-            <a:spLocks noGrp="1"/>
-          </p:cNvSpPr>
-          <p:nvPr>
-            <p:ph type="title"/>
-          </p:nvPr>
-        </p:nvSpPr>
-        <p:spPr>
-          <a:xfrm>
-            <a:off x="640079" y="4025589"/>
-            <a:ext cx="4610932" cy="1415839"/>
-          </a:xfrm>
-        </p:spPr>
-        <p:txBody>
-          <a:bodyPr vert="horz" lIns="91440" tIns="45720" rIns="91440" bIns="45720" rtlCol="0" anchor="b">
-            <a:normAutofit/>
-          </a:bodyPr>
-          <a:lstStyle/>
-          <a:p>
-            <a:endParaRPr lang="en-US" sz="2800" dirty="0"/>
-          </a:p>
-        </p:txBody>
-      </p:sp>
-      <p:pic>
-        <p:nvPicPr>
-          <p:cNvPr id="7" name="Content Placeholder 6"/>
-          <p:cNvPicPr>
-            <a:picLocks noGrp="1" noChangeAspect="1"/>
-          </p:cNvPicPr>
-          <p:nvPr>
-            <p:ph idx="1"/>
-          </p:nvPr>
-        </p:nvPicPr>
-        <p:blipFill rotWithShape="1">
-          <a:blip r:embed="rId2">
-            <a:extLst>
-              <a:ext uri="{28A0092B-C50C-407E-A947-70E740481C1C}">
-                <a14:useLocalDpi xmlns:a14="http://schemas.microsoft.com/office/drawing/2010/main" val="0"/>
-              </a:ext>
-            </a:extLst>
-          </a:blip>
-          <a:srcRect b="17517"/>
-          <a:stretch/>
-        </p:blipFill>
-        <p:spPr>
-          <a:xfrm>
-            <a:off x="0" y="0"/>
-            <a:ext cx="12192000" cy="6857999"/>
-          </a:xfrm>
-        </p:spPr>
-      </p:pic>
-    </p:spTree>
-    <p:extLst>
-      <p:ext uri="{BB962C8B-B14F-4D97-AF65-F5344CB8AC3E}">
-        <p14:creationId xmlns:p14="http://schemas.microsoft.com/office/powerpoint/2010/main" val="1129762246"/>
-      </p:ext>
-    </p:extLst>
-  </p:cSld>
-  <p:clrMapOvr>
-    <a:overrideClrMapping bg1="dk1" tx1="lt1" bg2="dk2" tx2="lt2" accent1="accent1" accent2="accent2" accent3="accent3" accent4="accent4" accent5="accent5" accent6="accent6" hlink="hlink" folHlink="folHlink"/>
-  </p:clrMapOvr>
-</p:sld>
-</file>
-
-<file path=ppt/slides/slide3.xml><?xml version="1.0" encoding="utf-8"?>
 <p:sld xmlns:a="http://schemas.openxmlformats.org/drawingml/2006/main" xmlns:r="http://schemas.openxmlformats.org/officeDocument/2006/relationships" xmlns:p="http://schemas.openxmlformats.org/presentationml/2006/main">
   <p:cSld>
     <p:spTree>
@@ -3886,7 +3685,7 @@
             </a:pPr>
             <a:r>
               <a:rPr lang="en-US" dirty="0"/>
-              <a:t>Nodes connect and exchange information (hostname, ip, sensors)</a:t>
+              <a:t>Nodes connect and exchange information (hostname, ip, sensors, want)</a:t>
             </a:r>
           </a:p>
           <a:p>
@@ -3937,8 +3736,8 @@
         </p:nvSpPr>
         <p:spPr>
           <a:xfrm>
-            <a:off x="11006772" y="2344165"/>
-            <a:ext cx="1287956" cy="923330"/>
+            <a:off x="11090573" y="2144320"/>
+            <a:ext cx="1213457" cy="1200329"/>
           </a:xfrm>
           <a:prstGeom prst="rect">
             <a:avLst/>
@@ -3965,7 +3764,13 @@
           <a:p>
             <a:r>
               <a:rPr lang="en-US" dirty="0"/>
-              <a:t>temp</a:t>
+              <a:t>[H] temp</a:t>
+            </a:r>
+          </a:p>
+          <a:p>
+            <a:r>
+              <a:rPr lang="en-US" dirty="0"/>
+              <a:t>[W] light</a:t>
             </a:r>
           </a:p>
         </p:txBody>
@@ -3978,8 +3783,8 @@
         </p:nvSpPr>
         <p:spPr>
           <a:xfrm>
-            <a:off x="11045947" y="3848106"/>
-            <a:ext cx="1287956" cy="923330"/>
+            <a:off x="11010278" y="3842071"/>
+            <a:ext cx="1243330" cy="1200329"/>
           </a:xfrm>
           <a:prstGeom prst="rect">
             <a:avLst/>
@@ -4006,7 +3811,13 @@
           <a:p>
             <a:r>
               <a:rPr lang="en-US" dirty="0"/>
-              <a:t>humidity</a:t>
+              <a:t>[H] humid</a:t>
+            </a:r>
+          </a:p>
+          <a:p>
+            <a:r>
+              <a:rPr lang="en-US" dirty="0"/>
+              <a:t>[W] button</a:t>
             </a:r>
           </a:p>
         </p:txBody>
@@ -4019,8 +3830,8 @@
         </p:nvSpPr>
         <p:spPr>
           <a:xfrm>
-            <a:off x="11006772" y="5414605"/>
-            <a:ext cx="1287956" cy="923330"/>
+            <a:off x="11131062" y="5414605"/>
+            <a:ext cx="1163666" cy="1754326"/>
           </a:xfrm>
           <a:prstGeom prst="rect">
             <a:avLst/>
@@ -4047,8 +3858,17 @@
           <a:p>
             <a:r>
               <a:rPr lang="en-US" dirty="0"/>
-              <a:t>light</a:t>
-            </a:r>
+              <a:t>[H] light</a:t>
+            </a:r>
+          </a:p>
+          <a:p>
+            <a:r>
+              <a:rPr lang="en-US" dirty="0"/>
+              <a:t>[W] temp</a:t>
+            </a:r>
+          </a:p>
+          <a:p>
+            <a:endParaRPr lang="en-US" dirty="0"/>
           </a:p>
         </p:txBody>
       </p:sp>
@@ -4060,8 +3880,8 @@
         </p:nvSpPr>
         <p:spPr>
           <a:xfrm>
-            <a:off x="4961701" y="5059905"/>
-            <a:ext cx="3045161" cy="1200329"/>
+            <a:off x="4961701" y="5226407"/>
+            <a:ext cx="4255294" cy="1200329"/>
           </a:xfrm>
           <a:prstGeom prst="rect">
             <a:avLst/>
@@ -4088,21 +3908,21 @@
             <a:pPr algn="ctr"/>
             <a:r>
               <a:rPr lang="en-US" dirty="0"/>
-              <a:t>edison01:10.20.0.10:temp</a:t>
+              <a:t>edison01:10.20.0.10:temp:light</a:t>
             </a:r>
           </a:p>
           <a:p>
             <a:pPr algn="ctr"/>
             <a:r>
               <a:rPr lang="en-US" dirty="0"/>
-              <a:t>edison02:10.20.0.11:humidity</a:t>
+              <a:t>edison02:10.20.0.11:humid:button</a:t>
             </a:r>
           </a:p>
           <a:p>
             <a:pPr algn="ctr"/>
             <a:r>
               <a:rPr lang="en-US" dirty="0"/>
-              <a:t>edison03:10.20.0.12:light</a:t>
+              <a:t>edison03:10.20.0.12:light:temp</a:t>
             </a:r>
           </a:p>
         </p:txBody>
@@ -4111,6 +3931,170 @@
     <p:extLst>
       <p:ext uri="{BB962C8B-B14F-4D97-AF65-F5344CB8AC3E}">
         <p14:creationId xmlns:p14="http://schemas.microsoft.com/office/powerpoint/2010/main" val="2314797472"/>
+      </p:ext>
+    </p:extLst>
+  </p:cSld>
+  <p:clrMapOvr>
+    <a:masterClrMapping/>
+  </p:clrMapOvr>
+</p:sld>
+</file>
+
+<file path=ppt/slides/slide3.xml><?xml version="1.0" encoding="utf-8"?>
+<p:sld xmlns:a="http://schemas.openxmlformats.org/drawingml/2006/main" xmlns:r="http://schemas.openxmlformats.org/officeDocument/2006/relationships" xmlns:p="http://schemas.openxmlformats.org/presentationml/2006/main">
+  <p:cSld>
+    <p:spTree>
+      <p:nvGrpSpPr>
+        <p:cNvPr id="1" name=""/>
+        <p:cNvGrpSpPr/>
+        <p:nvPr/>
+      </p:nvGrpSpPr>
+      <p:grpSpPr>
+        <a:xfrm>
+          <a:off x="0" y="0"/>
+          <a:ext cx="0" cy="0"/>
+          <a:chOff x="0" y="0"/>
+          <a:chExt cx="0" cy="0"/>
+        </a:xfrm>
+      </p:grpSpPr>
+      <p:sp>
+        <p:nvSpPr>
+          <p:cNvPr id="2" name="Title 1"/>
+          <p:cNvSpPr>
+            <a:spLocks noGrp="1"/>
+          </p:cNvSpPr>
+          <p:nvPr>
+            <p:ph type="title"/>
+          </p:nvPr>
+        </p:nvSpPr>
+        <p:spPr/>
+        <p:txBody>
+          <a:bodyPr/>
+          <a:lstStyle/>
+          <a:p>
+            <a:r>
+              <a:rPr lang="en-US" dirty="0"/>
+              <a:t>Slave Node (Provisioning) </a:t>
+            </a:r>
+          </a:p>
+        </p:txBody>
+      </p:sp>
+      <p:sp>
+        <p:nvSpPr>
+          <p:cNvPr id="3" name="Content Placeholder 2"/>
+          <p:cNvSpPr>
+            <a:spLocks noGrp="1"/>
+          </p:cNvSpPr>
+          <p:nvPr>
+            <p:ph idx="1"/>
+          </p:nvPr>
+        </p:nvSpPr>
+        <p:spPr>
+          <a:xfrm>
+            <a:off x="838200" y="1825625"/>
+            <a:ext cx="8460179" cy="4351338"/>
+          </a:xfrm>
+        </p:spPr>
+        <p:txBody>
+          <a:bodyPr/>
+          <a:lstStyle/>
+          <a:p>
+            <a:pPr marL="514350" indent="-514350">
+              <a:buAutoNum type="arabicParenR"/>
+            </a:pPr>
+            <a:r>
+              <a:rPr lang="en-US" dirty="0"/>
+              <a:t>Creates object to connect to the Master Node</a:t>
+            </a:r>
+          </a:p>
+          <a:p>
+            <a:pPr marL="514350" indent="-514350">
+              <a:buAutoNum type="arabicParenR"/>
+            </a:pPr>
+            <a:r>
+              <a:rPr lang="en-US" dirty="0"/>
+              <a:t>User inputs list of sensors that the node has</a:t>
+            </a:r>
+          </a:p>
+          <a:p>
+            <a:pPr marL="514350" indent="-514350">
+              <a:buAutoNum type="arabicParenR"/>
+            </a:pPr>
+            <a:r>
+              <a:rPr lang="en-US" dirty="0"/>
+              <a:t>User starts the master node connection</a:t>
+            </a:r>
+          </a:p>
+        </p:txBody>
+      </p:sp>
+      <p:pic>
+        <p:nvPicPr>
+          <p:cNvPr id="4" name="Picture 4" descr="https://cdn.sparkfun.com/assets/f/d/4/7/3/Edison_SIK-13_trans.png"/>
+          <p:cNvPicPr>
+            <a:picLocks noChangeAspect="1" noChangeArrowheads="1"/>
+          </p:cNvPicPr>
+          <p:nvPr/>
+        </p:nvPicPr>
+        <p:blipFill>
+          <a:blip r:embed="rId2">
+            <a:extLst>
+              <a:ext uri="{28A0092B-C50C-407E-A947-70E740481C1C}">
+                <a14:useLocalDpi xmlns:a14="http://schemas.microsoft.com/office/drawing/2010/main" val="0"/>
+              </a:ext>
+            </a:extLst>
+          </a:blip>
+          <a:srcRect/>
+          <a:stretch>
+            <a:fillRect/>
+          </a:stretch>
+        </p:blipFill>
+        <p:spPr bwMode="auto">
+          <a:xfrm>
+            <a:off x="9034138" y="2640146"/>
+            <a:ext cx="2820049" cy="2383117"/>
+          </a:xfrm>
+          <a:prstGeom prst="rect">
+            <a:avLst/>
+          </a:prstGeom>
+          <a:noFill/>
+          <a:extLst>
+            <a:ext uri="{909E8E84-426E-40DD-AFC4-6F175D3DCCD1}">
+              <a14:hiddenFill xmlns:a14="http://schemas.microsoft.com/office/drawing/2010/main">
+                <a:solidFill>
+                  <a:srgbClr val="FFFFFF"/>
+                </a:solidFill>
+              </a14:hiddenFill>
+            </a:ext>
+          </a:extLst>
+        </p:spPr>
+      </p:pic>
+      <p:pic>
+        <p:nvPicPr>
+          <p:cNvPr id="5" name="Picture 4"/>
+          <p:cNvPicPr>
+            <a:picLocks noChangeAspect="1"/>
+          </p:cNvPicPr>
+          <p:nvPr/>
+        </p:nvPicPr>
+        <p:blipFill rotWithShape="1">
+          <a:blip r:embed="rId3"/>
+          <a:srcRect t="23008"/>
+          <a:stretch/>
+        </p:blipFill>
+        <p:spPr>
+          <a:xfrm>
+            <a:off x="760058" y="4876800"/>
+            <a:ext cx="8616462" cy="1137137"/>
+          </a:xfrm>
+          <a:prstGeom prst="rect">
+            <a:avLst/>
+          </a:prstGeom>
+        </p:spPr>
+      </p:pic>
+    </p:spTree>
+    <p:extLst>
+      <p:ext uri="{BB962C8B-B14F-4D97-AF65-F5344CB8AC3E}">
+        <p14:creationId xmlns:p14="http://schemas.microsoft.com/office/powerpoint/2010/main" val="699531406"/>
       </p:ext>
     </p:extLst>
   </p:cSld>
@@ -4147,14 +4131,19 @@
             <p:ph type="title"/>
           </p:nvPr>
         </p:nvSpPr>
-        <p:spPr/>
+        <p:spPr>
+          <a:xfrm>
+            <a:off x="625280" y="293944"/>
+            <a:ext cx="10515600" cy="1325563"/>
+          </a:xfrm>
+        </p:spPr>
         <p:txBody>
           <a:bodyPr/>
           <a:lstStyle/>
           <a:p>
             <a:r>
               <a:rPr lang="en-US" dirty="0"/>
-              <a:t>Slave Node (Provisioning) </a:t>
+              <a:t>Slave Node (joining) old </a:t>
             </a:r>
           </a:p>
         </p:txBody>
@@ -4172,19 +4161,21 @@
         <p:spPr>
           <a:xfrm>
             <a:off x="838200" y="1825625"/>
-            <a:ext cx="8460179" cy="4351338"/>
-          </a:xfrm>
-        </p:spPr>
-        <p:txBody>
-          <a:bodyPr/>
+            <a:ext cx="3543795" cy="4786190"/>
+          </a:xfrm>
+        </p:spPr>
+        <p:txBody>
+          <a:bodyPr>
+            <a:normAutofit/>
+          </a:bodyPr>
           <a:lstStyle/>
           <a:p>
             <a:pPr marL="514350" indent="-514350">
               <a:buAutoNum type="arabicParenR"/>
             </a:pPr>
             <a:r>
-              <a:rPr lang="en-US" dirty="0"/>
-              <a:t>Creates object to connect to the Master Node</a:t>
+              <a:rPr lang="en-US" sz="2000" dirty="0"/>
+              <a:t>Connects to master node</a:t>
             </a:r>
           </a:p>
           <a:p>
@@ -4192,8 +4183,8 @@
               <a:buAutoNum type="arabicParenR"/>
             </a:pPr>
             <a:r>
-              <a:rPr lang="en-US" dirty="0"/>
-              <a:t>User inputs list of sensors that the node has</a:t>
+              <a:rPr lang="en-US" sz="2000" dirty="0"/>
+              <a:t>Requests other connected nodes information</a:t>
             </a:r>
           </a:p>
           <a:p>
@@ -4201,188 +4192,38 @@
               <a:buAutoNum type="arabicParenR"/>
             </a:pPr>
             <a:r>
-              <a:rPr lang="en-US" dirty="0"/>
-              <a:t>User starts the master node connection</a:t>
-            </a:r>
-          </a:p>
-        </p:txBody>
-      </p:sp>
-      <p:pic>
-        <p:nvPicPr>
-          <p:cNvPr id="4" name="Picture 4" descr="https://cdn.sparkfun.com/assets/f/d/4/7/3/Edison_SIK-13_trans.png"/>
-          <p:cNvPicPr>
-            <a:picLocks noChangeAspect="1" noChangeArrowheads="1"/>
-          </p:cNvPicPr>
-          <p:nvPr/>
-        </p:nvPicPr>
-        <p:blipFill>
-          <a:blip r:embed="rId2">
-            <a:extLst>
-              <a:ext uri="{28A0092B-C50C-407E-A947-70E740481C1C}">
-                <a14:useLocalDpi xmlns:a14="http://schemas.microsoft.com/office/drawing/2010/main" val="0"/>
-              </a:ext>
-            </a:extLst>
-          </a:blip>
-          <a:srcRect/>
-          <a:stretch>
-            <a:fillRect/>
-          </a:stretch>
-        </p:blipFill>
-        <p:spPr bwMode="auto">
-          <a:xfrm>
-            <a:off x="9034138" y="2640146"/>
-            <a:ext cx="2820049" cy="2383117"/>
-          </a:xfrm>
-          <a:prstGeom prst="rect">
-            <a:avLst/>
-          </a:prstGeom>
-          <a:noFill/>
-          <a:extLst>
-            <a:ext uri="{909E8E84-426E-40DD-AFC4-6F175D3DCCD1}">
-              <a14:hiddenFill xmlns:a14="http://schemas.microsoft.com/office/drawing/2010/main">
-                <a:solidFill>
-                  <a:srgbClr val="FFFFFF"/>
-                </a:solidFill>
-              </a14:hiddenFill>
-            </a:ext>
-          </a:extLst>
-        </p:spPr>
-      </p:pic>
-      <p:pic>
-        <p:nvPicPr>
-          <p:cNvPr id="5" name="Picture 4"/>
-          <p:cNvPicPr>
-            <a:picLocks noChangeAspect="1"/>
-          </p:cNvPicPr>
-          <p:nvPr/>
-        </p:nvPicPr>
-        <p:blipFill rotWithShape="1">
-          <a:blip r:embed="rId3"/>
-          <a:srcRect t="23008"/>
-          <a:stretch/>
-        </p:blipFill>
-        <p:spPr>
-          <a:xfrm>
-            <a:off x="760058" y="4876800"/>
-            <a:ext cx="8616462" cy="1137137"/>
-          </a:xfrm>
-          <a:prstGeom prst="rect">
-            <a:avLst/>
-          </a:prstGeom>
-        </p:spPr>
-      </p:pic>
-    </p:spTree>
-    <p:extLst>
-      <p:ext uri="{BB962C8B-B14F-4D97-AF65-F5344CB8AC3E}">
-        <p14:creationId xmlns:p14="http://schemas.microsoft.com/office/powerpoint/2010/main" val="699531406"/>
-      </p:ext>
-    </p:extLst>
-  </p:cSld>
-  <p:clrMapOvr>
-    <a:masterClrMapping/>
-  </p:clrMapOvr>
-</p:sld>
-</file>
-
-<file path=ppt/slides/slide5.xml><?xml version="1.0" encoding="utf-8"?>
-<p:sld xmlns:a="http://schemas.openxmlformats.org/drawingml/2006/main" xmlns:r="http://schemas.openxmlformats.org/officeDocument/2006/relationships" xmlns:p="http://schemas.openxmlformats.org/presentationml/2006/main">
-  <p:cSld>
-    <p:spTree>
-      <p:nvGrpSpPr>
-        <p:cNvPr id="1" name=""/>
-        <p:cNvGrpSpPr/>
-        <p:nvPr/>
-      </p:nvGrpSpPr>
-      <p:grpSpPr>
-        <a:xfrm>
-          <a:off x="0" y="0"/>
-          <a:ext cx="0" cy="0"/>
-          <a:chOff x="0" y="0"/>
-          <a:chExt cx="0" cy="0"/>
-        </a:xfrm>
-      </p:grpSpPr>
-      <p:sp>
-        <p:nvSpPr>
-          <p:cNvPr id="2" name="Title 1"/>
-          <p:cNvSpPr>
-            <a:spLocks noGrp="1"/>
-          </p:cNvSpPr>
-          <p:nvPr>
-            <p:ph type="title"/>
-          </p:nvPr>
-        </p:nvSpPr>
-        <p:spPr>
-          <a:xfrm>
-            <a:off x="625280" y="293944"/>
-            <a:ext cx="10515600" cy="1325563"/>
-          </a:xfrm>
-        </p:spPr>
-        <p:txBody>
-          <a:bodyPr/>
-          <a:lstStyle/>
-          <a:p>
-            <a:r>
-              <a:rPr lang="en-US" dirty="0"/>
-              <a:t>Slave Node (joining) old </a:t>
-            </a:r>
-          </a:p>
-        </p:txBody>
-      </p:sp>
-      <p:sp>
-        <p:nvSpPr>
-          <p:cNvPr id="3" name="Content Placeholder 2"/>
-          <p:cNvSpPr>
-            <a:spLocks noGrp="1"/>
-          </p:cNvSpPr>
-          <p:nvPr>
-            <p:ph idx="1"/>
-          </p:nvPr>
-        </p:nvSpPr>
-        <p:spPr>
-          <a:xfrm>
-            <a:off x="838200" y="1825625"/>
-            <a:ext cx="3543795" cy="4351338"/>
-          </a:xfrm>
-        </p:spPr>
-        <p:txBody>
-          <a:bodyPr>
-            <a:normAutofit/>
-          </a:bodyPr>
-          <a:lstStyle/>
+              <a:rPr lang="en-US" sz="2000" dirty="0"/>
+              <a:t>Sees which nodes has what it wants</a:t>
+            </a:r>
+          </a:p>
           <a:p>
             <a:pPr marL="514350" indent="-514350">
               <a:buAutoNum type="arabicParenR"/>
             </a:pPr>
             <a:r>
-              <a:rPr lang="en-US" dirty="0"/>
-              <a:t>Connects to master node</a:t>
-            </a:r>
-          </a:p>
-          <a:p>
-            <a:pPr marL="514350" indent="-514350">
-              <a:buAutoNum type="arabicParenR"/>
+              <a:rPr lang="en-US" sz="2000" dirty="0"/>
+              <a:t>Makes connections to the nodes that have what it wants</a:t>
+            </a:r>
+          </a:p>
+          <a:p>
+            <a:pPr marL="0" indent="0">
+              <a:buNone/>
             </a:pPr>
             <a:r>
-              <a:rPr lang="en-US" dirty="0"/>
-              <a:t>Requests other connected nodes information</a:t>
-            </a:r>
-          </a:p>
-          <a:p>
-            <a:pPr marL="514350" indent="-514350">
-              <a:buAutoNum type="arabicParenR"/>
-            </a:pPr>
-            <a:r>
-              <a:rPr lang="en-US" dirty="0"/>
-              <a:t>Sees which nodes has what it wants</a:t>
-            </a:r>
-          </a:p>
-          <a:p>
-            <a:pPr marL="514350" indent="-514350">
-              <a:buAutoNum type="arabicParenR"/>
-            </a:pPr>
-            <a:r>
-              <a:rPr lang="en-US" dirty="0"/>
-              <a:t>Makes connections to the nodes that have what it wants</a:t>
+              <a:rPr lang="en-US" sz="2000" dirty="0"/>
+              <a:t>Cons:</a:t>
+            </a:r>
+          </a:p>
+          <a:p>
+            <a:r>
+              <a:rPr lang="en-US" sz="2000" dirty="0"/>
+              <a:t>Not scalable to bigger network</a:t>
+            </a:r>
+          </a:p>
+          <a:p>
+            <a:r>
+              <a:rPr lang="en-US" sz="2000" dirty="0"/>
+              <a:t>Nodes don’t care about things they don’t need</a:t>
             </a:r>
           </a:p>
         </p:txBody>
@@ -5317,7 +5158,7 @@
 </p:sld>
 </file>
 
-<file path=ppt/slides/slide6.xml><?xml version="1.0" encoding="utf-8"?>
+<file path=ppt/slides/slide5.xml><?xml version="1.0" encoding="utf-8"?>
 <p:sld xmlns:a="http://schemas.openxmlformats.org/drawingml/2006/main" xmlns:r="http://schemas.openxmlformats.org/officeDocument/2006/relationships" xmlns:p="http://schemas.openxmlformats.org/presentationml/2006/main">
   <p:cSld>
     <p:spTree>
@@ -5368,19 +5209,34 @@
         </p:nvSpPr>
         <p:spPr>
           <a:xfrm>
-            <a:off x="838200" y="1825625"/>
-            <a:ext cx="3598333" cy="4351338"/>
-          </a:xfrm>
-        </p:spPr>
-        <p:txBody>
-          <a:bodyPr/>
-          <a:lstStyle/>
+            <a:off x="838200" y="1441938"/>
+            <a:ext cx="3598333" cy="5193323"/>
+          </a:xfrm>
+        </p:spPr>
+        <p:txBody>
+          <a:bodyPr>
+            <a:normAutofit/>
+          </a:bodyPr>
+          <a:lstStyle/>
+          <a:p>
+            <a:pPr marL="0" indent="0">
+              <a:buNone/>
+            </a:pPr>
+            <a:r>
+              <a:rPr lang="en-US" sz="2000" dirty="0"/>
+              <a:t>Based on ROS pub/sub system </a:t>
+            </a:r>
+            <a:r>
+              <a:rPr lang="en-US" sz="800" dirty="0"/>
+              <a:t>(thanks Tim!)</a:t>
+            </a:r>
+          </a:p>
           <a:p>
             <a:pPr marL="514350" indent="-514350">
               <a:buAutoNum type="arabicParenR"/>
             </a:pPr>
             <a:r>
-              <a:rPr lang="en-US" dirty="0"/>
+              <a:rPr lang="en-US" sz="2000" dirty="0"/>
               <a:t>Node connects to master node</a:t>
             </a:r>
           </a:p>
@@ -5389,7 +5245,7 @@
               <a:buAutoNum type="arabicParenR"/>
             </a:pPr>
             <a:r>
-              <a:rPr lang="en-US" dirty="0"/>
+              <a:rPr lang="en-US" sz="2000" dirty="0"/>
               <a:t>Master node sees what the new node has/wants</a:t>
             </a:r>
           </a:p>
@@ -5398,15 +5254,37 @@
               <a:buAutoNum type="arabicParenR"/>
             </a:pPr>
             <a:r>
-              <a:rPr lang="en-US" dirty="0"/>
+              <a:rPr lang="en-US" sz="2000" dirty="0"/>
               <a:t>Sends info of new devices to other devices based on what the new one has</a:t>
             </a:r>
-          </a:p>
-          <a:p>
-            <a:pPr marL="514350" indent="-514350">
-              <a:buAutoNum type="arabicParenR"/>
+            <a:endParaRPr lang="en-US" dirty="0"/>
+          </a:p>
+          <a:p>
+            <a:pPr marL="0" indent="0">
+              <a:buNone/>
             </a:pPr>
-            <a:endParaRPr lang="en-US" dirty="0"/>
+            <a:r>
+              <a:rPr lang="en-US" sz="2000" dirty="0"/>
+              <a:t>Pros: </a:t>
+            </a:r>
+          </a:p>
+          <a:p>
+            <a:r>
+              <a:rPr lang="en-US" sz="2000" dirty="0"/>
+              <a:t>Makes the master node do all the work</a:t>
+            </a:r>
+          </a:p>
+          <a:p>
+            <a:r>
+              <a:rPr lang="en-US" sz="2000" dirty="0"/>
+              <a:t>Nodes only get info about things they care about</a:t>
+            </a:r>
+          </a:p>
+          <a:p>
+            <a:r>
+              <a:rPr lang="en-US" sz="2000" dirty="0"/>
+              <a:t>Scalable</a:t>
+            </a:r>
           </a:p>
         </p:txBody>
       </p:sp>
@@ -5431,7 +5309,7 @@
         </p:blipFill>
         <p:spPr bwMode="auto">
           <a:xfrm>
-            <a:off x="6704928" y="365125"/>
+            <a:off x="6853603" y="376635"/>
             <a:ext cx="1031008" cy="1167465"/>
           </a:xfrm>
           <a:prstGeom prst="rect">
@@ -5459,7 +5337,7 @@
         </p:nvCxnSpPr>
         <p:spPr>
           <a:xfrm flipH="1">
-            <a:off x="7735936" y="948857"/>
+            <a:off x="7884611" y="960367"/>
             <a:ext cx="2677911" cy="1"/>
           </a:xfrm>
           <a:prstGeom prst="straightConnector1">
@@ -5498,8 +5376,8 @@
         </p:nvSpPr>
         <p:spPr>
           <a:xfrm>
-            <a:off x="10583333" y="349250"/>
-            <a:ext cx="1532543" cy="1183340"/>
+            <a:off x="10732008" y="360760"/>
+            <a:ext cx="1243584" cy="1188720"/>
           </a:xfrm>
           <a:prstGeom prst="ellipse">
             <a:avLst/>
@@ -5570,7 +5448,7 @@
         </p:nvSpPr>
         <p:spPr>
           <a:xfrm>
-            <a:off x="8122549" y="3800630"/>
+            <a:off x="7626382" y="3829298"/>
             <a:ext cx="1301630" cy="1246216"/>
           </a:xfrm>
           <a:prstGeom prst="ellipse">
@@ -5642,7 +5520,7 @@
         </p:nvCxnSpPr>
         <p:spPr>
           <a:xfrm>
-            <a:off x="7751456" y="1217680"/>
+            <a:off x="7900131" y="1229190"/>
             <a:ext cx="2662391" cy="7051"/>
           </a:xfrm>
           <a:prstGeom prst="straightConnector1">
@@ -5681,7 +5559,7 @@
         </p:nvSpPr>
         <p:spPr>
           <a:xfrm>
-            <a:off x="7735936" y="1320800"/>
+            <a:off x="7884611" y="1332310"/>
             <a:ext cx="2677911" cy="276999"/>
           </a:xfrm>
           <a:prstGeom prst="rect">
@@ -5710,7 +5588,7 @@
         </p:nvSpPr>
         <p:spPr>
           <a:xfrm>
-            <a:off x="6566782" y="3791969"/>
+            <a:off x="6070615" y="3820637"/>
             <a:ext cx="1235519" cy="1240647"/>
           </a:xfrm>
           <a:prstGeom prst="ellipse">
@@ -5782,7 +5660,7 @@
         </p:nvSpPr>
         <p:spPr>
           <a:xfrm>
-            <a:off x="9768451" y="3788146"/>
+            <a:off x="9272284" y="3816814"/>
             <a:ext cx="1289015" cy="1258700"/>
           </a:xfrm>
           <a:prstGeom prst="ellipse">
@@ -5854,7 +5732,7 @@
         </p:nvSpPr>
         <p:spPr>
           <a:xfrm>
-            <a:off x="8181367" y="2274420"/>
+            <a:off x="7685200" y="2303088"/>
             <a:ext cx="1242812" cy="1188754"/>
           </a:xfrm>
           <a:prstGeom prst="ellipse">
@@ -5926,7 +5804,7 @@
         </p:nvSpPr>
         <p:spPr>
           <a:xfrm>
-            <a:off x="8120917" y="5354031"/>
+            <a:off x="7624750" y="5382699"/>
             <a:ext cx="1295826" cy="1233219"/>
           </a:xfrm>
           <a:prstGeom prst="ellipse">
@@ -5998,7 +5876,7 @@
         </p:nvSpPr>
         <p:spPr>
           <a:xfrm>
-            <a:off x="7665506" y="1748122"/>
+            <a:off x="7169339" y="1776790"/>
             <a:ext cx="2274534" cy="369332"/>
           </a:xfrm>
           <a:prstGeom prst="rect">
@@ -6031,7 +5909,7 @@
         </p:nvCxnSpPr>
         <p:spPr>
           <a:xfrm>
-            <a:off x="7184542" y="3791969"/>
+            <a:off x="6688375" y="3820637"/>
             <a:ext cx="1588822" cy="8661"/>
           </a:xfrm>
           <a:prstGeom prst="straightConnector1">
@@ -6070,7 +5948,7 @@
         </p:nvCxnSpPr>
         <p:spPr>
           <a:xfrm>
-            <a:off x="9424179" y="2868797"/>
+            <a:off x="8928012" y="2897465"/>
             <a:ext cx="0" cy="1554941"/>
           </a:xfrm>
           <a:prstGeom prst="straightConnector1">
@@ -6109,7 +5987,7 @@
         </p:nvCxnSpPr>
         <p:spPr>
           <a:xfrm flipH="1">
-            <a:off x="8773364" y="5046846"/>
+            <a:off x="8277197" y="5075514"/>
             <a:ext cx="1639595" cy="0"/>
           </a:xfrm>
           <a:prstGeom prst="straightConnector1">
@@ -6148,7 +6026,7 @@
         </p:nvCxnSpPr>
         <p:spPr>
           <a:xfrm flipV="1">
-            <a:off x="8120917" y="4423738"/>
+            <a:off x="7624750" y="4452406"/>
             <a:ext cx="1632" cy="1546903"/>
           </a:xfrm>
           <a:prstGeom prst="straightConnector1">
@@ -6189,7 +6067,7 @@
 </p:sld>
 </file>
 
-<file path=ppt/slides/slide7.xml><?xml version="1.0" encoding="utf-8"?>
+<file path=ppt/slides/slide6.xml><?xml version="1.0" encoding="utf-8"?>
 <p:sld xmlns:a="http://schemas.openxmlformats.org/drawingml/2006/main" xmlns:r="http://schemas.openxmlformats.org/officeDocument/2006/relationships" xmlns:p="http://schemas.openxmlformats.org/presentationml/2006/main">
   <p:cSld>
     <p:spTree>
@@ -6236,8 +6114,8 @@
         </p:nvSpPr>
         <p:spPr>
           <a:xfrm>
-            <a:off x="4839274" y="2155032"/>
-            <a:ext cx="1301630" cy="1246216"/>
+            <a:off x="3733866" y="2008274"/>
+            <a:ext cx="1720397" cy="1698794"/>
           </a:xfrm>
           <a:prstGeom prst="ellipse">
             <a:avLst/>
@@ -6308,8 +6186,8 @@
         </p:nvSpPr>
         <p:spPr>
           <a:xfrm>
-            <a:off x="2756490" y="2985570"/>
-            <a:ext cx="1298448" cy="1240647"/>
+            <a:off x="1237356" y="2748655"/>
+            <a:ext cx="1716192" cy="1691202"/>
           </a:xfrm>
           <a:prstGeom prst="ellipse">
             <a:avLst/>
@@ -6380,8 +6258,8 @@
         </p:nvSpPr>
         <p:spPr>
           <a:xfrm>
-            <a:off x="6480870" y="3914286"/>
-            <a:ext cx="1298448" cy="1243584"/>
+            <a:off x="6054003" y="4443861"/>
+            <a:ext cx="1716192" cy="1695206"/>
           </a:xfrm>
           <a:prstGeom prst="ellipse">
             <a:avLst/>
@@ -6452,8 +6330,8 @@
         </p:nvSpPr>
         <p:spPr>
           <a:xfrm>
-            <a:off x="9004635" y="2982633"/>
-            <a:ext cx="1298448" cy="1243584"/>
+            <a:off x="8550512" y="2744651"/>
+            <a:ext cx="1716192" cy="1695206"/>
           </a:xfrm>
           <a:prstGeom prst="ellipse">
             <a:avLst/>
@@ -6524,8 +6402,8 @@
         </p:nvSpPr>
         <p:spPr>
           <a:xfrm>
-            <a:off x="4842362" y="3914286"/>
-            <a:ext cx="1295826" cy="1243584"/>
+            <a:off x="3735598" y="4443861"/>
+            <a:ext cx="1712726" cy="1695206"/>
           </a:xfrm>
           <a:prstGeom prst="ellipse">
             <a:avLst/>
@@ -6596,30 +6474,30 @@
         </p:nvSpPr>
         <p:spPr>
           <a:xfrm>
-            <a:off x="6480870" y="2155032"/>
-            <a:ext cx="1298448" cy="1246272"/>
+            <a:off x="6054003" y="2008274"/>
+            <a:ext cx="1716192" cy="1698870"/>
           </a:xfrm>
           <a:prstGeom prst="ellipse">
             <a:avLst/>
           </a:prstGeom>
-          <a:solidFill>
-            <a:schemeClr val="bg1"/>
-          </a:solidFill>
+          <a:ln w="28575">
+            <a:solidFill>
+              <a:srgbClr val="FF0000"/>
+            </a:solidFill>
+          </a:ln>
         </p:spPr>
         <p:style>
           <a:lnRef idx="2">
-            <a:schemeClr val="accent1">
-              <a:shade val="50000"/>
-            </a:schemeClr>
+            <a:schemeClr val="accent2"/>
           </a:lnRef>
           <a:fillRef idx="1">
-            <a:schemeClr val="accent1"/>
+            <a:schemeClr val="lt1"/>
           </a:fillRef>
           <a:effectRef idx="0">
-            <a:schemeClr val="accent1"/>
+            <a:schemeClr val="accent2"/>
           </a:effectRef>
           <a:fontRef idx="minor">
-            <a:schemeClr val="lt1"/>
+            <a:schemeClr val="dk1"/>
           </a:fontRef>
         </p:style>
         <p:txBody>
@@ -6671,8 +6549,8 @@
         </p:nvCxnSpPr>
         <p:spPr>
           <a:xfrm flipH="1" flipV="1">
-            <a:off x="7589165" y="2337544"/>
-            <a:ext cx="1605623" cy="1706554"/>
+            <a:off x="7518865" y="2257068"/>
+            <a:ext cx="1282977" cy="1934532"/>
           </a:xfrm>
           <a:prstGeom prst="straightConnector1">
             <a:avLst/>
@@ -6710,8 +6588,8 @@
         </p:nvCxnSpPr>
         <p:spPr>
           <a:xfrm flipH="1" flipV="1">
-            <a:off x="5490089" y="3401248"/>
-            <a:ext cx="3704699" cy="642850"/>
+            <a:off x="4594065" y="3707068"/>
+            <a:ext cx="4207777" cy="484532"/>
           </a:xfrm>
           <a:prstGeom prst="straightConnector1">
             <a:avLst/>
@@ -6749,8 +6627,8 @@
         </p:nvCxnSpPr>
         <p:spPr>
           <a:xfrm flipV="1">
-            <a:off x="3864785" y="3401304"/>
-            <a:ext cx="3265309" cy="643224"/>
+            <a:off x="2702218" y="3707144"/>
+            <a:ext cx="4209881" cy="485042"/>
           </a:xfrm>
           <a:prstGeom prst="straightConnector1">
             <a:avLst/>
@@ -6787,9 +6665,9 @@
           <p:nvPr/>
         </p:nvCxnSpPr>
         <p:spPr>
-          <a:xfrm flipH="1" flipV="1">
-            <a:off x="5490089" y="3401248"/>
-            <a:ext cx="186" cy="513038"/>
+          <a:xfrm flipV="1">
+            <a:off x="4591961" y="3707068"/>
+            <a:ext cx="2104" cy="736793"/>
           </a:xfrm>
           <a:prstGeom prst="straightConnector1">
             <a:avLst/>
@@ -6827,8 +6705,8 @@
         </p:nvCxnSpPr>
         <p:spPr>
           <a:xfrm flipV="1">
-            <a:off x="5490275" y="3401304"/>
-            <a:ext cx="1639819" cy="512982"/>
+            <a:off x="4591961" y="3707144"/>
+            <a:ext cx="2320138" cy="736717"/>
           </a:xfrm>
           <a:prstGeom prst="straightConnector1">
             <a:avLst/>
@@ -6866,8 +6744,8 @@
         </p:nvCxnSpPr>
         <p:spPr>
           <a:xfrm flipV="1">
-            <a:off x="7130094" y="3401304"/>
-            <a:ext cx="0" cy="512982"/>
+            <a:off x="6912099" y="3707144"/>
+            <a:ext cx="0" cy="736717"/>
           </a:xfrm>
           <a:prstGeom prst="straightConnector1">
             <a:avLst/>
@@ -6905,8 +6783,8 @@
         </p:nvCxnSpPr>
         <p:spPr>
           <a:xfrm flipH="1" flipV="1">
-            <a:off x="5490089" y="3401248"/>
-            <a:ext cx="1640005" cy="513038"/>
+            <a:off x="4594065" y="3707068"/>
+            <a:ext cx="2318034" cy="736793"/>
           </a:xfrm>
           <a:prstGeom prst="straightConnector1">
             <a:avLst/>
@@ -6944,8 +6822,8 @@
         </p:nvCxnSpPr>
         <p:spPr>
           <a:xfrm flipV="1">
-            <a:off x="3864785" y="2337536"/>
-            <a:ext cx="1165108" cy="1706992"/>
+            <a:off x="2702218" y="2257057"/>
+            <a:ext cx="1283594" cy="1935129"/>
           </a:xfrm>
           <a:prstGeom prst="straightConnector1">
             <a:avLst/>
@@ -6985,7 +6863,7 @@
 </p:sld>
 </file>
 
-<file path=ppt/slides/slide8.xml><?xml version="1.0" encoding="utf-8"?>
+<file path=ppt/slides/slide7.xml><?xml version="1.0" encoding="utf-8"?>
 <p:sld xmlns:a="http://schemas.openxmlformats.org/drawingml/2006/main" xmlns:r="http://schemas.openxmlformats.org/officeDocument/2006/relationships" xmlns:p="http://schemas.openxmlformats.org/presentationml/2006/main">
   <p:cSld>
     <p:spTree>
@@ -7062,7 +6940,7 @@
 </p:sld>
 </file>
 
-<file path=ppt/slides/slide9.xml><?xml version="1.0" encoding="utf-8"?>
+<file path=ppt/slides/slide8.xml><?xml version="1.0" encoding="utf-8"?>
 <p:sld xmlns:a="http://schemas.openxmlformats.org/drawingml/2006/main" xmlns:r="http://schemas.openxmlformats.org/officeDocument/2006/relationships" xmlns:p="http://schemas.openxmlformats.org/presentationml/2006/main">
   <p:cSld>
     <p:spTree>

--- a/node network.pptx
+++ b/node network.pptx
@@ -248,7 +248,7 @@
           <a:p>
             <a:fld id="{06B83C27-2525-4342-9082-7D1EAF504791}" type="datetimeFigureOut">
               <a:rPr lang="en-US" smtClean="0"/>
-              <a:t>6/14/2017</a:t>
+              <a:t>6/15/2017</a:t>
             </a:fld>
             <a:endParaRPr lang="en-US"/>
           </a:p>
@@ -416,7 +416,7 @@
           <a:p>
             <a:fld id="{06B83C27-2525-4342-9082-7D1EAF504791}" type="datetimeFigureOut">
               <a:rPr lang="en-US" smtClean="0"/>
-              <a:t>6/14/2017</a:t>
+              <a:t>6/15/2017</a:t>
             </a:fld>
             <a:endParaRPr lang="en-US"/>
           </a:p>
@@ -594,7 +594,7 @@
           <a:p>
             <a:fld id="{06B83C27-2525-4342-9082-7D1EAF504791}" type="datetimeFigureOut">
               <a:rPr lang="en-US" smtClean="0"/>
-              <a:t>6/14/2017</a:t>
+              <a:t>6/15/2017</a:t>
             </a:fld>
             <a:endParaRPr lang="en-US"/>
           </a:p>
@@ -762,7 +762,7 @@
           <a:p>
             <a:fld id="{06B83C27-2525-4342-9082-7D1EAF504791}" type="datetimeFigureOut">
               <a:rPr lang="en-US" smtClean="0"/>
-              <a:t>6/14/2017</a:t>
+              <a:t>6/15/2017</a:t>
             </a:fld>
             <a:endParaRPr lang="en-US"/>
           </a:p>
@@ -1007,7 +1007,7 @@
           <a:p>
             <a:fld id="{06B83C27-2525-4342-9082-7D1EAF504791}" type="datetimeFigureOut">
               <a:rPr lang="en-US" smtClean="0"/>
-              <a:t>6/14/2017</a:t>
+              <a:t>6/15/2017</a:t>
             </a:fld>
             <a:endParaRPr lang="en-US"/>
           </a:p>
@@ -1236,7 +1236,7 @@
           <a:p>
             <a:fld id="{06B83C27-2525-4342-9082-7D1EAF504791}" type="datetimeFigureOut">
               <a:rPr lang="en-US" smtClean="0"/>
-              <a:t>6/14/2017</a:t>
+              <a:t>6/15/2017</a:t>
             </a:fld>
             <a:endParaRPr lang="en-US"/>
           </a:p>
@@ -1600,7 +1600,7 @@
           <a:p>
             <a:fld id="{06B83C27-2525-4342-9082-7D1EAF504791}" type="datetimeFigureOut">
               <a:rPr lang="en-US" smtClean="0"/>
-              <a:t>6/14/2017</a:t>
+              <a:t>6/15/2017</a:t>
             </a:fld>
             <a:endParaRPr lang="en-US"/>
           </a:p>
@@ -1717,7 +1717,7 @@
           <a:p>
             <a:fld id="{06B83C27-2525-4342-9082-7D1EAF504791}" type="datetimeFigureOut">
               <a:rPr lang="en-US" smtClean="0"/>
-              <a:t>6/14/2017</a:t>
+              <a:t>6/15/2017</a:t>
             </a:fld>
             <a:endParaRPr lang="en-US"/>
           </a:p>
@@ -1812,7 +1812,7 @@
           <a:p>
             <a:fld id="{06B83C27-2525-4342-9082-7D1EAF504791}" type="datetimeFigureOut">
               <a:rPr lang="en-US" smtClean="0"/>
-              <a:t>6/14/2017</a:t>
+              <a:t>6/15/2017</a:t>
             </a:fld>
             <a:endParaRPr lang="en-US"/>
           </a:p>
@@ -2087,7 +2087,7 @@
           <a:p>
             <a:fld id="{06B83C27-2525-4342-9082-7D1EAF504791}" type="datetimeFigureOut">
               <a:rPr lang="en-US" smtClean="0"/>
-              <a:t>6/14/2017</a:t>
+              <a:t>6/15/2017</a:t>
             </a:fld>
             <a:endParaRPr lang="en-US"/>
           </a:p>
@@ -2339,7 +2339,7 @@
           <a:p>
             <a:fld id="{06B83C27-2525-4342-9082-7D1EAF504791}" type="datetimeFigureOut">
               <a:rPr lang="en-US" smtClean="0"/>
-              <a:t>6/14/2017</a:t>
+              <a:t>6/15/2017</a:t>
             </a:fld>
             <a:endParaRPr lang="en-US"/>
           </a:p>
@@ -2550,7 +2550,7 @@
           <a:p>
             <a:fld id="{06B83C27-2525-4342-9082-7D1EAF504791}" type="datetimeFigureOut">
               <a:rPr lang="en-US" smtClean="0"/>
-              <a:t>6/14/2017</a:t>
+              <a:t>6/15/2017</a:t>
             </a:fld>
             <a:endParaRPr lang="en-US"/>
           </a:p>
@@ -6850,6 +6850,42 @@
           </a:fontRef>
         </p:style>
       </p:cxnSp>
+      <p:cxnSp>
+        <p:nvCxnSpPr>
+          <p:cNvPr id="9" name="Straight Arrow Connector 8"/>
+          <p:cNvCxnSpPr>
+            <a:stCxn id="14" idx="2"/>
+            <a:endCxn id="4" idx="6"/>
+          </p:cNvCxnSpPr>
+          <p:nvPr/>
+        </p:nvCxnSpPr>
+        <p:spPr>
+          <a:xfrm flipH="1" flipV="1">
+            <a:off x="5454263" y="2857671"/>
+            <a:ext cx="599740" cy="38"/>
+          </a:xfrm>
+          <a:prstGeom prst="straightConnector1">
+            <a:avLst/>
+          </a:prstGeom>
+          <a:ln>
+            <a:tailEnd type="triangle"/>
+          </a:ln>
+        </p:spPr>
+        <p:style>
+          <a:lnRef idx="1">
+            <a:schemeClr val="accent1"/>
+          </a:lnRef>
+          <a:fillRef idx="0">
+            <a:schemeClr val="accent1"/>
+          </a:fillRef>
+          <a:effectRef idx="0">
+            <a:schemeClr val="accent1"/>
+          </a:effectRef>
+          <a:fontRef idx="minor">
+            <a:schemeClr val="tx1"/>
+          </a:fontRef>
+        </p:style>
+      </p:cxnSp>
     </p:spTree>
     <p:extLst>
       <p:ext uri="{BB962C8B-B14F-4D97-AF65-F5344CB8AC3E}">

--- a/node network.pptx
+++ b/node network.pptx
@@ -11,8 +11,9 @@
     <p:sldId id="260" r:id="rId5"/>
     <p:sldId id="263" r:id="rId6"/>
     <p:sldId id="264" r:id="rId7"/>
-    <p:sldId id="261" r:id="rId8"/>
-    <p:sldId id="262" r:id="rId9"/>
+    <p:sldId id="262" r:id="rId8"/>
+    <p:sldId id="265" r:id="rId9"/>
+    <p:sldId id="266" r:id="rId10"/>
   </p:sldIdLst>
   <p:sldSz cx="12192000" cy="6858000"/>
   <p:notesSz cx="6858000" cy="9144000"/>
@@ -248,7 +249,7 @@
           <a:p>
             <a:fld id="{06B83C27-2525-4342-9082-7D1EAF504791}" type="datetimeFigureOut">
               <a:rPr lang="en-US" smtClean="0"/>
-              <a:t>6/15/2017</a:t>
+              <a:t>6/22/2017</a:t>
             </a:fld>
             <a:endParaRPr lang="en-US"/>
           </a:p>
@@ -416,7 +417,7 @@
           <a:p>
             <a:fld id="{06B83C27-2525-4342-9082-7D1EAF504791}" type="datetimeFigureOut">
               <a:rPr lang="en-US" smtClean="0"/>
-              <a:t>6/15/2017</a:t>
+              <a:t>6/22/2017</a:t>
             </a:fld>
             <a:endParaRPr lang="en-US"/>
           </a:p>
@@ -594,7 +595,7 @@
           <a:p>
             <a:fld id="{06B83C27-2525-4342-9082-7D1EAF504791}" type="datetimeFigureOut">
               <a:rPr lang="en-US" smtClean="0"/>
-              <a:t>6/15/2017</a:t>
+              <a:t>6/22/2017</a:t>
             </a:fld>
             <a:endParaRPr lang="en-US"/>
           </a:p>
@@ -762,7 +763,7 @@
           <a:p>
             <a:fld id="{06B83C27-2525-4342-9082-7D1EAF504791}" type="datetimeFigureOut">
               <a:rPr lang="en-US" smtClean="0"/>
-              <a:t>6/15/2017</a:t>
+              <a:t>6/22/2017</a:t>
             </a:fld>
             <a:endParaRPr lang="en-US"/>
           </a:p>
@@ -1007,7 +1008,7 @@
           <a:p>
             <a:fld id="{06B83C27-2525-4342-9082-7D1EAF504791}" type="datetimeFigureOut">
               <a:rPr lang="en-US" smtClean="0"/>
-              <a:t>6/15/2017</a:t>
+              <a:t>6/22/2017</a:t>
             </a:fld>
             <a:endParaRPr lang="en-US"/>
           </a:p>
@@ -1236,7 +1237,7 @@
           <a:p>
             <a:fld id="{06B83C27-2525-4342-9082-7D1EAF504791}" type="datetimeFigureOut">
               <a:rPr lang="en-US" smtClean="0"/>
-              <a:t>6/15/2017</a:t>
+              <a:t>6/22/2017</a:t>
             </a:fld>
             <a:endParaRPr lang="en-US"/>
           </a:p>
@@ -1600,7 +1601,7 @@
           <a:p>
             <a:fld id="{06B83C27-2525-4342-9082-7D1EAF504791}" type="datetimeFigureOut">
               <a:rPr lang="en-US" smtClean="0"/>
-              <a:t>6/15/2017</a:t>
+              <a:t>6/22/2017</a:t>
             </a:fld>
             <a:endParaRPr lang="en-US"/>
           </a:p>
@@ -1717,7 +1718,7 @@
           <a:p>
             <a:fld id="{06B83C27-2525-4342-9082-7D1EAF504791}" type="datetimeFigureOut">
               <a:rPr lang="en-US" smtClean="0"/>
-              <a:t>6/15/2017</a:t>
+              <a:t>6/22/2017</a:t>
             </a:fld>
             <a:endParaRPr lang="en-US"/>
           </a:p>
@@ -1812,7 +1813,7 @@
           <a:p>
             <a:fld id="{06B83C27-2525-4342-9082-7D1EAF504791}" type="datetimeFigureOut">
               <a:rPr lang="en-US" smtClean="0"/>
-              <a:t>6/15/2017</a:t>
+              <a:t>6/22/2017</a:t>
             </a:fld>
             <a:endParaRPr lang="en-US"/>
           </a:p>
@@ -2087,7 +2088,7 @@
           <a:p>
             <a:fld id="{06B83C27-2525-4342-9082-7D1EAF504791}" type="datetimeFigureOut">
               <a:rPr lang="en-US" smtClean="0"/>
-              <a:t>6/15/2017</a:t>
+              <a:t>6/22/2017</a:t>
             </a:fld>
             <a:endParaRPr lang="en-US"/>
           </a:p>
@@ -2339,7 +2340,7 @@
           <a:p>
             <a:fld id="{06B83C27-2525-4342-9082-7D1EAF504791}" type="datetimeFigureOut">
               <a:rPr lang="en-US" smtClean="0"/>
-              <a:t>6/15/2017</a:t>
+              <a:t>6/22/2017</a:t>
             </a:fld>
             <a:endParaRPr lang="en-US"/>
           </a:p>
@@ -2550,7 +2551,7 @@
           <a:p>
             <a:fld id="{06B83C27-2525-4342-9082-7D1EAF504791}" type="datetimeFigureOut">
               <a:rPr lang="en-US" smtClean="0"/>
-              <a:t>6/15/2017</a:t>
+              <a:t>6/22/2017</a:t>
             </a:fld>
             <a:endParaRPr lang="en-US"/>
           </a:p>
@@ -6933,7 +6934,7 @@
           <a:p>
             <a:r>
               <a:rPr lang="en-US" dirty="0"/>
-              <a:t>Problems</a:t>
+              <a:t>For the future</a:t>
             </a:r>
           </a:p>
         </p:txBody>
@@ -6954,8 +6955,26 @@
           <a:lstStyle/>
           <a:p>
             <a:r>
+              <a:rPr lang="en-US" strike="sngStrike" dirty="0"/>
+              <a:t>Make a website where you can monitor the nodes</a:t>
+            </a:r>
+          </a:p>
+          <a:p>
+            <a:r>
               <a:rPr lang="en-US" dirty="0"/>
-              <a:t>Intel XDK has tons of bugs in it</a:t>
+              <a:t>Mobile code for custom actuation</a:t>
+            </a:r>
+          </a:p>
+          <a:p>
+            <a:r>
+              <a:rPr lang="en-US" strike="sngStrike" dirty="0"/>
+              <a:t>Some way to auto reconnect</a:t>
+            </a:r>
+          </a:p>
+          <a:p>
+            <a:r>
+              <a:rPr lang="en-US" strike="sngStrike" dirty="0"/>
+              <a:t>Some way to announce a disconnect from the network</a:t>
             </a:r>
           </a:p>
           <a:p>
@@ -6966,7 +6985,7 @@
     </p:spTree>
     <p:extLst>
       <p:ext uri="{BB962C8B-B14F-4D97-AF65-F5344CB8AC3E}">
-        <p14:creationId xmlns:p14="http://schemas.microsoft.com/office/powerpoint/2010/main" val="3820379229"/>
+        <p14:creationId xmlns:p14="http://schemas.microsoft.com/office/powerpoint/2010/main" val="3251068213"/>
       </p:ext>
     </p:extLst>
   </p:cSld>
@@ -7010,58 +7029,124 @@
           <a:p>
             <a:r>
               <a:rPr lang="en-US" dirty="0"/>
-              <a:t>For the future</a:t>
-            </a:r>
-          </a:p>
-        </p:txBody>
-      </p:sp>
-      <p:sp>
-        <p:nvSpPr>
-          <p:cNvPr id="3" name="Content Placeholder 2"/>
-          <p:cNvSpPr>
-            <a:spLocks noGrp="1"/>
-          </p:cNvSpPr>
-          <p:nvPr>
-            <p:ph idx="1"/>
-          </p:nvPr>
-        </p:nvSpPr>
-        <p:spPr/>
-        <p:txBody>
-          <a:bodyPr/>
-          <a:lstStyle/>
-          <a:p>
-            <a:r>
-              <a:rPr lang="en-US" dirty="0"/>
-              <a:t>Make a website where you can monitor the nodes</a:t>
-            </a:r>
-          </a:p>
-          <a:p>
-            <a:r>
-              <a:rPr lang="en-US" dirty="0"/>
-              <a:t>Mobile code for custom actuation</a:t>
-            </a:r>
-          </a:p>
-          <a:p>
-            <a:r>
-              <a:rPr lang="en-US" dirty="0"/>
-              <a:t>Some way to auto reconnect</a:t>
-            </a:r>
-          </a:p>
-          <a:p>
-            <a:r>
-              <a:rPr lang="en-US" dirty="0"/>
-              <a:t>Some way to announce a disconnect from the network</a:t>
-            </a:r>
-          </a:p>
-          <a:p>
-            <a:endParaRPr lang="en-US" dirty="0"/>
-          </a:p>
-        </p:txBody>
-      </p:sp>
+              <a:t>Edison Control Center</a:t>
+            </a:r>
+          </a:p>
+        </p:txBody>
+      </p:sp>
+      <p:pic>
+        <p:nvPicPr>
+          <p:cNvPr id="4" name="Picture 3"/>
+          <p:cNvPicPr>
+            <a:picLocks noChangeAspect="1"/>
+          </p:cNvPicPr>
+          <p:nvPr/>
+        </p:nvPicPr>
+        <p:blipFill rotWithShape="1">
+          <a:blip r:embed="rId2"/>
+          <a:srcRect l="33173" t="6282" r="32308" b="51709"/>
+          <a:stretch/>
+        </p:blipFill>
+        <p:spPr>
+          <a:xfrm>
+            <a:off x="2593731" y="1690688"/>
+            <a:ext cx="7004538" cy="4794984"/>
+          </a:xfrm>
+          <a:prstGeom prst="rect">
+            <a:avLst/>
+          </a:prstGeom>
+        </p:spPr>
+      </p:pic>
     </p:spTree>
     <p:extLst>
       <p:ext uri="{BB962C8B-B14F-4D97-AF65-F5344CB8AC3E}">
-        <p14:creationId xmlns:p14="http://schemas.microsoft.com/office/powerpoint/2010/main" val="3251068213"/>
+        <p14:creationId xmlns:p14="http://schemas.microsoft.com/office/powerpoint/2010/main" val="543029414"/>
+      </p:ext>
+    </p:extLst>
+  </p:cSld>
+  <p:clrMapOvr>
+    <a:masterClrMapping/>
+  </p:clrMapOvr>
+</p:sld>
+</file>
+
+<file path=ppt/slides/slide9.xml><?xml version="1.0" encoding="utf-8"?>
+<p:sld xmlns:a="http://schemas.openxmlformats.org/drawingml/2006/main" xmlns:r="http://schemas.openxmlformats.org/officeDocument/2006/relationships" xmlns:p="http://schemas.openxmlformats.org/presentationml/2006/main">
+  <p:cSld>
+    <p:spTree>
+      <p:nvGrpSpPr>
+        <p:cNvPr id="1" name=""/>
+        <p:cNvGrpSpPr/>
+        <p:nvPr/>
+      </p:nvGrpSpPr>
+      <p:grpSpPr>
+        <a:xfrm>
+          <a:off x="0" y="0"/>
+          <a:ext cx="0" cy="0"/>
+          <a:chOff x="0" y="0"/>
+          <a:chExt cx="0" cy="0"/>
+        </a:xfrm>
+      </p:grpSpPr>
+      <p:sp>
+        <p:nvSpPr>
+          <p:cNvPr id="2" name="Title 1"/>
+          <p:cNvSpPr>
+            <a:spLocks noGrp="1"/>
+          </p:cNvSpPr>
+          <p:nvPr>
+            <p:ph type="title"/>
+          </p:nvPr>
+        </p:nvSpPr>
+        <p:spPr>
+          <a:xfrm>
+            <a:off x="838199" y="118941"/>
+            <a:ext cx="10515600" cy="1325563"/>
+          </a:xfrm>
+        </p:spPr>
+        <p:txBody>
+          <a:bodyPr/>
+          <a:lstStyle/>
+          <a:p>
+            <a:r>
+              <a:rPr lang="en-US" dirty="0"/>
+              <a:t>Demo</a:t>
+            </a:r>
+          </a:p>
+        </p:txBody>
+      </p:sp>
+      <p:pic>
+        <p:nvPicPr>
+          <p:cNvPr id="5" name="Content Placeholder 4"/>
+          <p:cNvPicPr>
+            <a:picLocks noGrp="1" noChangeAspect="1"/>
+          </p:cNvPicPr>
+          <p:nvPr>
+            <p:ph idx="1"/>
+          </p:nvPr>
+        </p:nvPicPr>
+        <p:blipFill>
+          <a:blip r:embed="rId2">
+            <a:extLst>
+              <a:ext uri="{28A0092B-C50C-407E-A947-70E740481C1C}">
+                <a14:useLocalDpi xmlns:a14="http://schemas.microsoft.com/office/drawing/2010/main" val="0"/>
+              </a:ext>
+            </a:extLst>
+          </a:blip>
+          <a:stretch>
+            <a:fillRect/>
+          </a:stretch>
+        </p:blipFill>
+        <p:spPr>
+          <a:xfrm>
+            <a:off x="480646" y="1055077"/>
+            <a:ext cx="10949353" cy="5697415"/>
+          </a:xfrm>
+        </p:spPr>
+      </p:pic>
+    </p:spTree>
+    <p:extLst>
+      <p:ext uri="{BB962C8B-B14F-4D97-AF65-F5344CB8AC3E}">
+        <p14:creationId xmlns:p14="http://schemas.microsoft.com/office/powerpoint/2010/main" val="691602788"/>
       </p:ext>
     </p:extLst>
   </p:cSld>
